--- a/CSE497-presentation.pptx
+++ b/CSE497-presentation.pptx
@@ -5,7 +5,7 @@
     <p:sldMasterId id="2147484080" r:id="rId1"/>
   </p:sldMasterIdLst>
   <p:notesMasterIdLst>
-    <p:notesMasterId r:id="rId27"/>
+    <p:notesMasterId r:id="rId28"/>
   </p:notesMasterIdLst>
   <p:sldIdLst>
     <p:sldId id="256" r:id="rId2"/>
@@ -32,7 +32,8 @@
     <p:sldId id="274" r:id="rId23"/>
     <p:sldId id="275" r:id="rId24"/>
     <p:sldId id="276" r:id="rId25"/>
-    <p:sldId id="277" r:id="rId26"/>
+    <p:sldId id="284" r:id="rId26"/>
+    <p:sldId id="277" r:id="rId27"/>
   </p:sldIdLst>
   <p:sldSz cx="9144000" cy="6858000" type="screen4x3"/>
   <p:notesSz cx="6858000" cy="9144000"/>
@@ -613,6 +614,520 @@
           <a:lstStyle/>
           <a:p>
             <a:r>
+              <a:rPr lang="tr-TR" sz="1200" b="1" i="0" kern="1200" dirty="0" smtClean="0">
+                <a:solidFill>
+                  <a:schemeClr val="tx1"/>
+                </a:solidFill>
+                <a:effectLst/>
+                <a:latin typeface="+mn-lt"/>
+                <a:ea typeface="+mn-ea"/>
+                <a:cs typeface="+mn-cs"/>
+              </a:rPr>
+              <a:t>Here,</a:t>
+            </a:r>
+            <a:r>
+              <a:rPr lang="tr-TR" sz="1200" b="1" i="0" kern="1200" baseline="0" dirty="0" smtClean="0">
+                <a:solidFill>
+                  <a:schemeClr val="tx1"/>
+                </a:solidFill>
+                <a:effectLst/>
+                <a:latin typeface="+mn-lt"/>
+                <a:ea typeface="+mn-ea"/>
+                <a:cs typeface="+mn-cs"/>
+              </a:rPr>
+              <a:t> </a:t>
+            </a:r>
+            <a:r>
+              <a:rPr lang="tr-TR" sz="1200" b="1" i="0" kern="1200" baseline="0" dirty="0" err="1" smtClean="0">
+                <a:solidFill>
+                  <a:schemeClr val="tx1"/>
+                </a:solidFill>
+                <a:effectLst/>
+                <a:latin typeface="+mn-lt"/>
+                <a:ea typeface="+mn-ea"/>
+                <a:cs typeface="+mn-cs"/>
+              </a:rPr>
+              <a:t>there</a:t>
+            </a:r>
+            <a:r>
+              <a:rPr lang="tr-TR" sz="1200" b="1" i="0" kern="1200" baseline="0" dirty="0" smtClean="0">
+                <a:solidFill>
+                  <a:schemeClr val="tx1"/>
+                </a:solidFill>
+                <a:effectLst/>
+                <a:latin typeface="+mn-lt"/>
+                <a:ea typeface="+mn-ea"/>
+                <a:cs typeface="+mn-cs"/>
+              </a:rPr>
+              <a:t> is a </a:t>
+            </a:r>
+            <a:r>
+              <a:rPr lang="tr-TR" sz="1200" b="1" i="0" kern="1200" baseline="0" dirty="0" err="1" smtClean="0">
+                <a:solidFill>
+                  <a:schemeClr val="tx1"/>
+                </a:solidFill>
+                <a:effectLst/>
+                <a:latin typeface="+mn-lt"/>
+                <a:ea typeface="+mn-ea"/>
+                <a:cs typeface="+mn-cs"/>
+              </a:rPr>
+              <a:t>diagram</a:t>
+            </a:r>
+            <a:r>
+              <a:rPr lang="tr-TR" sz="1200" b="1" i="0" kern="1200" baseline="0" dirty="0" smtClean="0">
+                <a:solidFill>
+                  <a:schemeClr val="tx1"/>
+                </a:solidFill>
+                <a:effectLst/>
+                <a:latin typeface="+mn-lt"/>
+                <a:ea typeface="+mn-ea"/>
+                <a:cs typeface="+mn-cs"/>
+              </a:rPr>
+              <a:t> </a:t>
+            </a:r>
+            <a:r>
+              <a:rPr lang="tr-TR" sz="1200" b="1" i="0" kern="1200" baseline="0" dirty="0" err="1" smtClean="0">
+                <a:solidFill>
+                  <a:schemeClr val="tx1"/>
+                </a:solidFill>
+                <a:effectLst/>
+                <a:latin typeface="+mn-lt"/>
+                <a:ea typeface="+mn-ea"/>
+                <a:cs typeface="+mn-cs"/>
+              </a:rPr>
+              <a:t>that</a:t>
+            </a:r>
+            <a:r>
+              <a:rPr lang="tr-TR" sz="1200" b="1" i="0" kern="1200" baseline="0" dirty="0" smtClean="0">
+                <a:solidFill>
+                  <a:schemeClr val="tx1"/>
+                </a:solidFill>
+                <a:effectLst/>
+                <a:latin typeface="+mn-lt"/>
+                <a:ea typeface="+mn-ea"/>
+                <a:cs typeface="+mn-cs"/>
+              </a:rPr>
+              <a:t> </a:t>
+            </a:r>
+            <a:r>
+              <a:rPr lang="tr-TR" sz="1200" b="1" i="0" kern="1200" baseline="0" dirty="0" err="1" smtClean="0">
+                <a:solidFill>
+                  <a:schemeClr val="tx1"/>
+                </a:solidFill>
+                <a:effectLst/>
+                <a:latin typeface="+mn-lt"/>
+                <a:ea typeface="+mn-ea"/>
+                <a:cs typeface="+mn-cs"/>
+              </a:rPr>
+              <a:t>generated</a:t>
+            </a:r>
+            <a:r>
+              <a:rPr lang="tr-TR" sz="1200" b="1" i="0" kern="1200" baseline="0" dirty="0" smtClean="0">
+                <a:solidFill>
+                  <a:schemeClr val="tx1"/>
+                </a:solidFill>
+                <a:effectLst/>
+                <a:latin typeface="+mn-lt"/>
+                <a:ea typeface="+mn-ea"/>
+                <a:cs typeface="+mn-cs"/>
+              </a:rPr>
+              <a:t> </a:t>
+            </a:r>
+            <a:r>
+              <a:rPr lang="tr-TR" sz="1200" b="1" i="0" kern="1200" baseline="0" dirty="0" err="1" smtClean="0">
+                <a:solidFill>
+                  <a:schemeClr val="tx1"/>
+                </a:solidFill>
+                <a:effectLst/>
+                <a:latin typeface="+mn-lt"/>
+                <a:ea typeface="+mn-ea"/>
+                <a:cs typeface="+mn-cs"/>
+              </a:rPr>
+              <a:t>from</a:t>
+            </a:r>
+            <a:r>
+              <a:rPr lang="tr-TR" sz="1200" b="1" i="0" kern="1200" baseline="0" dirty="0" smtClean="0">
+                <a:solidFill>
+                  <a:schemeClr val="tx1"/>
+                </a:solidFill>
+                <a:effectLst/>
+                <a:latin typeface="+mn-lt"/>
+                <a:ea typeface="+mn-ea"/>
+                <a:cs typeface="+mn-cs"/>
+              </a:rPr>
+              <a:t> us. </a:t>
+            </a:r>
+            <a:r>
+              <a:rPr lang="tr-TR" sz="1200" b="1" i="0" kern="1200" baseline="0" dirty="0" err="1" smtClean="0">
+                <a:solidFill>
+                  <a:schemeClr val="tx1"/>
+                </a:solidFill>
+                <a:effectLst/>
+                <a:latin typeface="+mn-lt"/>
+                <a:ea typeface="+mn-ea"/>
+                <a:cs typeface="+mn-cs"/>
+              </a:rPr>
+              <a:t>This</a:t>
+            </a:r>
+            <a:r>
+              <a:rPr lang="tr-TR" sz="1200" b="1" i="0" kern="1200" baseline="0" dirty="0" smtClean="0">
+                <a:solidFill>
+                  <a:schemeClr val="tx1"/>
+                </a:solidFill>
+                <a:effectLst/>
+                <a:latin typeface="+mn-lt"/>
+                <a:ea typeface="+mn-ea"/>
+                <a:cs typeface="+mn-cs"/>
+              </a:rPr>
+              <a:t> is </a:t>
+            </a:r>
+            <a:r>
+              <a:rPr lang="tr-TR" sz="1200" b="1" i="0" kern="1200" baseline="0" dirty="0" err="1" smtClean="0">
+                <a:solidFill>
+                  <a:schemeClr val="tx1"/>
+                </a:solidFill>
+                <a:effectLst/>
+                <a:latin typeface="+mn-lt"/>
+                <a:ea typeface="+mn-ea"/>
+                <a:cs typeface="+mn-cs"/>
+              </a:rPr>
+              <a:t>called</a:t>
+            </a:r>
+            <a:r>
+              <a:rPr lang="tr-TR" sz="1200" b="1" i="0" kern="1200" baseline="0" dirty="0" smtClean="0">
+                <a:solidFill>
+                  <a:schemeClr val="tx1"/>
+                </a:solidFill>
+                <a:effectLst/>
+                <a:latin typeface="+mn-lt"/>
+                <a:ea typeface="+mn-ea"/>
+                <a:cs typeface="+mn-cs"/>
+              </a:rPr>
+              <a:t> </a:t>
+            </a:r>
+            <a:r>
+              <a:rPr lang="tr-TR" sz="1200" b="1" i="0" kern="1200" baseline="0" dirty="0" err="1" smtClean="0">
+                <a:solidFill>
+                  <a:schemeClr val="tx1"/>
+                </a:solidFill>
+                <a:effectLst/>
+                <a:latin typeface="+mn-lt"/>
+                <a:ea typeface="+mn-ea"/>
+                <a:cs typeface="+mn-cs"/>
+              </a:rPr>
+              <a:t>simple</a:t>
+            </a:r>
+            <a:r>
+              <a:rPr lang="tr-TR" sz="1200" b="1" i="0" kern="1200" baseline="0" dirty="0" smtClean="0">
+                <a:solidFill>
+                  <a:schemeClr val="tx1"/>
+                </a:solidFill>
+                <a:effectLst/>
+                <a:latin typeface="+mn-lt"/>
+                <a:ea typeface="+mn-ea"/>
+                <a:cs typeface="+mn-cs"/>
+              </a:rPr>
+              <a:t> </a:t>
+            </a:r>
+            <a:r>
+              <a:rPr lang="tr-TR" sz="1200" b="1" i="0" kern="1200" baseline="0" dirty="0" err="1" smtClean="0">
+                <a:solidFill>
+                  <a:schemeClr val="tx1"/>
+                </a:solidFill>
+                <a:effectLst/>
+                <a:latin typeface="+mn-lt"/>
+                <a:ea typeface="+mn-ea"/>
+                <a:cs typeface="+mn-cs"/>
+              </a:rPr>
+              <a:t>Hidden</a:t>
+            </a:r>
+            <a:r>
+              <a:rPr lang="tr-TR" sz="1200" b="1" i="0" kern="1200" baseline="0" dirty="0" smtClean="0">
+                <a:solidFill>
+                  <a:schemeClr val="tx1"/>
+                </a:solidFill>
+                <a:effectLst/>
+                <a:latin typeface="+mn-lt"/>
+                <a:ea typeface="+mn-ea"/>
+                <a:cs typeface="+mn-cs"/>
+              </a:rPr>
+              <a:t> </a:t>
+            </a:r>
+            <a:r>
+              <a:rPr lang="tr-TR" sz="1200" b="1" i="0" kern="1200" baseline="0" dirty="0" err="1" smtClean="0">
+                <a:solidFill>
+                  <a:schemeClr val="tx1"/>
+                </a:solidFill>
+                <a:effectLst/>
+                <a:latin typeface="+mn-lt"/>
+                <a:ea typeface="+mn-ea"/>
+                <a:cs typeface="+mn-cs"/>
+              </a:rPr>
+              <a:t>Markov</a:t>
+            </a:r>
+            <a:r>
+              <a:rPr lang="tr-TR" sz="1200" b="1" i="0" kern="1200" baseline="0" dirty="0" smtClean="0">
+                <a:solidFill>
+                  <a:schemeClr val="tx1"/>
+                </a:solidFill>
+                <a:effectLst/>
+                <a:latin typeface="+mn-lt"/>
+                <a:ea typeface="+mn-ea"/>
+                <a:cs typeface="+mn-cs"/>
+              </a:rPr>
+              <a:t> Model. </a:t>
+            </a:r>
+            <a:r>
+              <a:rPr lang="tr-TR" sz="1200" b="1" i="0" kern="1200" baseline="0" dirty="0" err="1" smtClean="0">
+                <a:solidFill>
+                  <a:schemeClr val="tx1"/>
+                </a:solidFill>
+                <a:effectLst/>
+                <a:latin typeface="+mn-lt"/>
+                <a:ea typeface="+mn-ea"/>
+                <a:cs typeface="+mn-cs"/>
+              </a:rPr>
+              <a:t>Let</a:t>
+            </a:r>
+            <a:r>
+              <a:rPr lang="tr-TR" sz="1200" b="1" i="0" kern="1200" baseline="0" dirty="0" smtClean="0">
+                <a:solidFill>
+                  <a:schemeClr val="tx1"/>
+                </a:solidFill>
+                <a:effectLst/>
+                <a:latin typeface="+mn-lt"/>
+                <a:ea typeface="+mn-ea"/>
+                <a:cs typeface="+mn-cs"/>
+              </a:rPr>
+              <a:t> us </a:t>
+            </a:r>
+            <a:r>
+              <a:rPr lang="tr-TR" sz="1200" b="1" i="0" kern="1200" baseline="0" dirty="0" err="1" smtClean="0">
+                <a:solidFill>
+                  <a:schemeClr val="tx1"/>
+                </a:solidFill>
+                <a:effectLst/>
+                <a:latin typeface="+mn-lt"/>
+                <a:ea typeface="+mn-ea"/>
+                <a:cs typeface="+mn-cs"/>
+              </a:rPr>
+              <a:t>continue</a:t>
+            </a:r>
+            <a:r>
+              <a:rPr lang="tr-TR" sz="1200" b="1" i="0" kern="1200" baseline="0" dirty="0" smtClean="0">
+                <a:solidFill>
+                  <a:schemeClr val="tx1"/>
+                </a:solidFill>
+                <a:effectLst/>
+                <a:latin typeface="+mn-lt"/>
+                <a:ea typeface="+mn-ea"/>
+                <a:cs typeface="+mn-cs"/>
+              </a:rPr>
+              <a:t> </a:t>
+            </a:r>
+            <a:r>
+              <a:rPr lang="tr-TR" sz="1200" b="1" i="0" kern="1200" baseline="0" dirty="0" err="1" smtClean="0">
+                <a:solidFill>
+                  <a:schemeClr val="tx1"/>
+                </a:solidFill>
+                <a:effectLst/>
+                <a:latin typeface="+mn-lt"/>
+                <a:ea typeface="+mn-ea"/>
+                <a:cs typeface="+mn-cs"/>
+              </a:rPr>
+              <a:t>to</a:t>
+            </a:r>
+            <a:r>
+              <a:rPr lang="tr-TR" sz="1200" b="1" i="0" kern="1200" baseline="0" dirty="0" smtClean="0">
+                <a:solidFill>
+                  <a:schemeClr val="tx1"/>
+                </a:solidFill>
+                <a:effectLst/>
+                <a:latin typeface="+mn-lt"/>
+                <a:ea typeface="+mn-ea"/>
+                <a:cs typeface="+mn-cs"/>
+              </a:rPr>
+              <a:t> </a:t>
+            </a:r>
+            <a:r>
+              <a:rPr lang="tr-TR" sz="1200" b="1" i="0" kern="1200" baseline="0" dirty="0" err="1" smtClean="0">
+                <a:solidFill>
+                  <a:schemeClr val="tx1"/>
+                </a:solidFill>
+                <a:effectLst/>
+                <a:latin typeface="+mn-lt"/>
+                <a:ea typeface="+mn-ea"/>
+                <a:cs typeface="+mn-cs"/>
+              </a:rPr>
+              <a:t>explain</a:t>
+            </a:r>
+            <a:r>
+              <a:rPr lang="tr-TR" sz="1200" b="1" i="0" kern="1200" baseline="0" dirty="0" smtClean="0">
+                <a:solidFill>
+                  <a:schemeClr val="tx1"/>
+                </a:solidFill>
+                <a:effectLst/>
+                <a:latin typeface="+mn-lt"/>
+                <a:ea typeface="+mn-ea"/>
+                <a:cs typeface="+mn-cs"/>
+              </a:rPr>
+              <a:t> </a:t>
+            </a:r>
+            <a:r>
+              <a:rPr lang="tr-TR" sz="1200" b="1" i="0" kern="1200" baseline="0" dirty="0" err="1" smtClean="0">
+                <a:solidFill>
+                  <a:schemeClr val="tx1"/>
+                </a:solidFill>
+                <a:effectLst/>
+                <a:latin typeface="+mn-lt"/>
+                <a:ea typeface="+mn-ea"/>
+                <a:cs typeface="+mn-cs"/>
+              </a:rPr>
+              <a:t>more</a:t>
+            </a:r>
+            <a:r>
+              <a:rPr lang="tr-TR" sz="1200" b="1" i="0" kern="1200" baseline="0" dirty="0" smtClean="0">
+                <a:solidFill>
+                  <a:schemeClr val="tx1"/>
+                </a:solidFill>
+                <a:effectLst/>
+                <a:latin typeface="+mn-lt"/>
+                <a:ea typeface="+mn-ea"/>
+                <a:cs typeface="+mn-cs"/>
+              </a:rPr>
+              <a:t> HMM </a:t>
+            </a:r>
+            <a:r>
+              <a:rPr lang="tr-TR" sz="1200" b="1" i="0" kern="1200" baseline="0" dirty="0" err="1" smtClean="0">
+                <a:solidFill>
+                  <a:schemeClr val="tx1"/>
+                </a:solidFill>
+                <a:effectLst/>
+                <a:latin typeface="+mn-lt"/>
+                <a:ea typeface="+mn-ea"/>
+                <a:cs typeface="+mn-cs"/>
+              </a:rPr>
+              <a:t>and</a:t>
+            </a:r>
+            <a:r>
+              <a:rPr lang="tr-TR" sz="1200" b="1" i="0" kern="1200" baseline="0" dirty="0" smtClean="0">
+                <a:solidFill>
+                  <a:schemeClr val="tx1"/>
+                </a:solidFill>
+                <a:effectLst/>
+                <a:latin typeface="+mn-lt"/>
+                <a:ea typeface="+mn-ea"/>
+                <a:cs typeface="+mn-cs"/>
+              </a:rPr>
+              <a:t> </a:t>
+            </a:r>
+            <a:r>
+              <a:rPr lang="tr-TR" sz="1200" b="1" i="0" kern="1200" baseline="0" dirty="0" err="1" smtClean="0">
+                <a:solidFill>
+                  <a:schemeClr val="tx1"/>
+                </a:solidFill>
+                <a:effectLst/>
+                <a:latin typeface="+mn-lt"/>
+                <a:ea typeface="+mn-ea"/>
+                <a:cs typeface="+mn-cs"/>
+              </a:rPr>
+              <a:t>Baum-Welch</a:t>
+            </a:r>
+            <a:r>
+              <a:rPr lang="tr-TR" sz="1200" b="1" i="0" kern="1200" baseline="0" dirty="0" smtClean="0">
+                <a:solidFill>
+                  <a:schemeClr val="tx1"/>
+                </a:solidFill>
+                <a:effectLst/>
+                <a:latin typeface="+mn-lt"/>
+                <a:ea typeface="+mn-ea"/>
+                <a:cs typeface="+mn-cs"/>
+              </a:rPr>
+              <a:t> </a:t>
+            </a:r>
+            <a:r>
+              <a:rPr lang="tr-TR" sz="1200" b="1" i="0" kern="1200" baseline="0" dirty="0" err="1" smtClean="0">
+                <a:solidFill>
+                  <a:schemeClr val="tx1"/>
+                </a:solidFill>
+                <a:effectLst/>
+                <a:latin typeface="+mn-lt"/>
+                <a:ea typeface="+mn-ea"/>
+                <a:cs typeface="+mn-cs"/>
+              </a:rPr>
+              <a:t>algorithm</a:t>
+            </a:r>
+            <a:r>
+              <a:rPr lang="tr-TR" sz="1200" b="1" i="0" kern="1200" baseline="0" dirty="0" smtClean="0">
+                <a:solidFill>
+                  <a:schemeClr val="tx1"/>
+                </a:solidFill>
+                <a:effectLst/>
+                <a:latin typeface="+mn-lt"/>
+                <a:ea typeface="+mn-ea"/>
+                <a:cs typeface="+mn-cs"/>
+              </a:rPr>
+              <a:t> </a:t>
+            </a:r>
+            <a:r>
+              <a:rPr lang="tr-TR" sz="1200" b="1" i="0" kern="1200" baseline="0" dirty="0" err="1" smtClean="0">
+                <a:solidFill>
+                  <a:schemeClr val="tx1"/>
+                </a:solidFill>
+                <a:effectLst/>
+                <a:latin typeface="+mn-lt"/>
+                <a:ea typeface="+mn-ea"/>
+                <a:cs typeface="+mn-cs"/>
+              </a:rPr>
+              <a:t>relations</a:t>
+            </a:r>
+            <a:r>
+              <a:rPr lang="tr-TR" sz="1200" b="1" i="0" kern="1200" baseline="0" dirty="0" smtClean="0">
+                <a:solidFill>
+                  <a:schemeClr val="tx1"/>
+                </a:solidFill>
+                <a:effectLst/>
+                <a:latin typeface="+mn-lt"/>
+                <a:ea typeface="+mn-ea"/>
+                <a:cs typeface="+mn-cs"/>
+              </a:rPr>
+              <a:t>.</a:t>
+            </a:r>
+            <a:endParaRPr lang="tr-TR" sz="1200" b="1" i="0" kern="1200" dirty="0" smtClean="0">
+              <a:solidFill>
+                <a:schemeClr val="tx1"/>
+              </a:solidFill>
+              <a:effectLst/>
+              <a:latin typeface="+mn-lt"/>
+              <a:ea typeface="+mn-ea"/>
+              <a:cs typeface="+mn-cs"/>
+            </a:endParaRPr>
+          </a:p>
+          <a:p>
+            <a:endParaRPr lang="tr-TR" sz="1200" b="1" i="0" kern="1200" dirty="0" smtClean="0">
+              <a:solidFill>
+                <a:schemeClr val="tx1"/>
+              </a:solidFill>
+              <a:effectLst/>
+              <a:latin typeface="+mn-lt"/>
+              <a:ea typeface="+mn-ea"/>
+              <a:cs typeface="+mn-cs"/>
+            </a:endParaRPr>
+          </a:p>
+          <a:p>
+            <a:r>
+              <a:rPr lang="tr-TR" sz="1200" b="1" i="0" kern="1200" dirty="0" smtClean="0">
+                <a:solidFill>
+                  <a:schemeClr val="tx1"/>
+                </a:solidFill>
+                <a:effectLst/>
+                <a:latin typeface="+mn-lt"/>
+                <a:ea typeface="+mn-ea"/>
+                <a:cs typeface="+mn-cs"/>
+              </a:rPr>
+              <a:t>/*</a:t>
+            </a:r>
+            <a:r>
               <a:rPr lang="en-US" sz="1200" b="1" i="0" kern="1200" dirty="0" smtClean="0">
                 <a:solidFill>
                   <a:schemeClr val="tx1"/>
@@ -622,7 +1137,19 @@
                 <a:ea typeface="+mn-ea"/>
                 <a:cs typeface="+mn-cs"/>
               </a:rPr>
-              <a:t>Baum–Welch algorithm</a:t>
+              <a:t>Baum–Welch </a:t>
+            </a:r>
+            <a:r>
+              <a:rPr lang="en-US" sz="1200" b="1" i="0" kern="1200" dirty="0" smtClean="0">
+                <a:solidFill>
+                  <a:schemeClr val="tx1"/>
+                </a:solidFill>
+                <a:effectLst/>
+                <a:latin typeface="+mn-lt"/>
+                <a:ea typeface="+mn-ea"/>
+                <a:cs typeface="+mn-cs"/>
+              </a:rPr>
+              <a:t>algorithm</a:t>
             </a:r>
             <a:r>
               <a:rPr lang="en-US" sz="1200" b="0" i="0" kern="1200" dirty="0" smtClean="0">
@@ -1128,6 +1655,18 @@
                 <a:cs typeface="+mn-cs"/>
               </a:rPr>
               <a:t>. </a:t>
+            </a:r>
+            <a:r>
+              <a:rPr lang="tr-TR" sz="1200" b="0" i="0" u="none" strike="noStrike" kern="1200" baseline="0" dirty="0" smtClean="0">
+                <a:solidFill>
+                  <a:schemeClr val="tx1"/>
+                </a:solidFill>
+                <a:effectLst/>
+                <a:latin typeface="+mn-lt"/>
+                <a:ea typeface="+mn-ea"/>
+                <a:cs typeface="+mn-cs"/>
+              </a:rPr>
+              <a:t>*/</a:t>
             </a:r>
             <a:endParaRPr lang="tr-TR" dirty="0"/>
           </a:p>
@@ -1213,6 +1752,462 @@
           <a:bodyPr/>
           <a:lstStyle/>
           <a:p>
+            <a:r>
+              <a:rPr lang="tr-TR" dirty="0" err="1" smtClean="0"/>
+              <a:t>In</a:t>
+            </a:r>
+            <a:r>
+              <a:rPr lang="tr-TR" baseline="0" dirty="0" smtClean="0"/>
+              <a:t> </a:t>
+            </a:r>
+            <a:r>
+              <a:rPr lang="tr-TR" baseline="0" dirty="0" err="1" smtClean="0"/>
+              <a:t>this</a:t>
+            </a:r>
+            <a:r>
+              <a:rPr lang="tr-TR" baseline="0" dirty="0" smtClean="0"/>
+              <a:t> </a:t>
+            </a:r>
+            <a:r>
+              <a:rPr lang="tr-TR" baseline="0" dirty="0" err="1" smtClean="0"/>
+              <a:t>section</a:t>
+            </a:r>
+            <a:r>
+              <a:rPr lang="tr-TR" baseline="0" dirty="0" smtClean="0"/>
+              <a:t> i </a:t>
+            </a:r>
+            <a:r>
+              <a:rPr lang="tr-TR" baseline="0" dirty="0" err="1" smtClean="0"/>
+              <a:t>will</a:t>
+            </a:r>
+            <a:r>
+              <a:rPr lang="tr-TR" baseline="0" dirty="0" smtClean="0"/>
+              <a:t> </a:t>
+            </a:r>
+            <a:r>
+              <a:rPr lang="tr-TR" baseline="0" dirty="0" err="1" smtClean="0"/>
+              <a:t>tell</a:t>
+            </a:r>
+            <a:r>
+              <a:rPr lang="tr-TR" baseline="0" dirty="0" smtClean="0"/>
+              <a:t> </a:t>
+            </a:r>
+            <a:r>
+              <a:rPr lang="tr-TR" baseline="0" dirty="0" err="1" smtClean="0"/>
+              <a:t>you</a:t>
+            </a:r>
+            <a:r>
+              <a:rPr lang="tr-TR" baseline="0" dirty="0" smtClean="0"/>
+              <a:t> </a:t>
+            </a:r>
+            <a:r>
+              <a:rPr lang="tr-TR" baseline="0" dirty="0" err="1" smtClean="0"/>
+              <a:t>baum-welch</a:t>
+            </a:r>
+            <a:r>
+              <a:rPr lang="tr-TR" baseline="0" dirty="0" smtClean="0"/>
+              <a:t> </a:t>
+            </a:r>
+            <a:r>
+              <a:rPr lang="tr-TR" baseline="0" dirty="0" err="1" smtClean="0"/>
+              <a:t>algorithm</a:t>
+            </a:r>
+            <a:r>
+              <a:rPr lang="tr-TR" baseline="0" dirty="0" smtClean="0"/>
+              <a:t>. </a:t>
+            </a:r>
+            <a:r>
+              <a:rPr lang="tr-TR" baseline="0" dirty="0" err="1" smtClean="0"/>
+              <a:t>Baum-welch</a:t>
+            </a:r>
+            <a:r>
+              <a:rPr lang="tr-TR" baseline="0" dirty="0" smtClean="0"/>
+              <a:t> </a:t>
+            </a:r>
+            <a:r>
+              <a:rPr lang="tr-TR" baseline="0" dirty="0" err="1" smtClean="0"/>
+              <a:t>consist</a:t>
+            </a:r>
+            <a:r>
+              <a:rPr lang="tr-TR" baseline="0" dirty="0" smtClean="0"/>
+              <a:t> of </a:t>
+            </a:r>
+            <a:r>
+              <a:rPr lang="tr-TR" baseline="0" dirty="0" err="1" smtClean="0"/>
+              <a:t>forward,backward</a:t>
+            </a:r>
+            <a:r>
+              <a:rPr lang="tr-TR" baseline="0" dirty="0" smtClean="0"/>
+              <a:t>, gamma </a:t>
+            </a:r>
+            <a:r>
+              <a:rPr lang="tr-TR" baseline="0" dirty="0" err="1" smtClean="0"/>
+              <a:t>creation</a:t>
+            </a:r>
+            <a:r>
+              <a:rPr lang="tr-TR" baseline="0" dirty="0" smtClean="0"/>
+              <a:t> </a:t>
+            </a:r>
+            <a:r>
+              <a:rPr lang="tr-TR" baseline="0" dirty="0" err="1" smtClean="0"/>
+              <a:t>and</a:t>
+            </a:r>
+            <a:r>
+              <a:rPr lang="tr-TR" baseline="0" dirty="0" smtClean="0"/>
+              <a:t> delta </a:t>
+            </a:r>
+            <a:r>
+              <a:rPr lang="tr-TR" baseline="0" dirty="0" err="1" smtClean="0"/>
+              <a:t>creation</a:t>
+            </a:r>
+            <a:r>
+              <a:rPr lang="tr-TR" baseline="0" dirty="0" smtClean="0"/>
+              <a:t>. </a:t>
+            </a:r>
+            <a:r>
+              <a:rPr lang="tr-TR" baseline="0" dirty="0" err="1" smtClean="0"/>
+              <a:t>This</a:t>
+            </a:r>
+            <a:r>
+              <a:rPr lang="tr-TR" baseline="0" dirty="0" smtClean="0"/>
+              <a:t> is </a:t>
+            </a:r>
+            <a:r>
+              <a:rPr lang="tr-TR" baseline="0" dirty="0" err="1" smtClean="0"/>
+              <a:t>forward</a:t>
+            </a:r>
+            <a:r>
+              <a:rPr lang="tr-TR" baseline="0" dirty="0" smtClean="0"/>
+              <a:t> </a:t>
+            </a:r>
+            <a:r>
+              <a:rPr lang="tr-TR" baseline="0" dirty="0" err="1" smtClean="0"/>
+              <a:t>algorithm</a:t>
+            </a:r>
+            <a:r>
+              <a:rPr lang="tr-TR" baseline="0" dirty="0" smtClean="0"/>
+              <a:t>. </a:t>
+            </a:r>
+            <a:r>
+              <a:rPr lang="tr-TR" baseline="0" dirty="0" err="1" smtClean="0"/>
+              <a:t>Lets</a:t>
+            </a:r>
+            <a:r>
+              <a:rPr lang="tr-TR" baseline="0" dirty="0" smtClean="0"/>
+              <a:t> </a:t>
+            </a:r>
+            <a:r>
+              <a:rPr lang="tr-TR" baseline="0" dirty="0" err="1" smtClean="0"/>
+              <a:t>make</a:t>
+            </a:r>
+            <a:r>
+              <a:rPr lang="tr-TR" baseline="0" dirty="0" smtClean="0"/>
+              <a:t> it </a:t>
+            </a:r>
+            <a:r>
+              <a:rPr lang="tr-TR" baseline="0" dirty="0" err="1" smtClean="0"/>
+              <a:t>simplier</a:t>
+            </a:r>
+            <a:r>
+              <a:rPr lang="tr-TR" baseline="0" dirty="0" smtClean="0"/>
+              <a:t>. </a:t>
+            </a:r>
+            <a:r>
+              <a:rPr lang="tr-TR" baseline="0" dirty="0" err="1" smtClean="0"/>
+              <a:t>For</a:t>
+            </a:r>
+            <a:r>
+              <a:rPr lang="tr-TR" baseline="0" dirty="0" smtClean="0"/>
+              <a:t> </a:t>
+            </a:r>
+            <a:r>
+              <a:rPr lang="tr-TR" baseline="0" dirty="0" err="1" smtClean="0"/>
+              <a:t>this</a:t>
+            </a:r>
+            <a:r>
+              <a:rPr lang="tr-TR" baseline="0" dirty="0" smtClean="0"/>
+              <a:t> </a:t>
+            </a:r>
+            <a:r>
+              <a:rPr lang="tr-TR" baseline="0" dirty="0" err="1" smtClean="0"/>
+              <a:t>example</a:t>
+            </a:r>
+            <a:r>
+              <a:rPr lang="tr-TR" baseline="0" dirty="0" smtClean="0"/>
+              <a:t>, </a:t>
+            </a:r>
+            <a:r>
+              <a:rPr lang="tr-TR" baseline="0" dirty="0" err="1" smtClean="0"/>
+              <a:t>there</a:t>
+            </a:r>
+            <a:r>
+              <a:rPr lang="tr-TR" baseline="0" dirty="0" smtClean="0"/>
+              <a:t> </a:t>
+            </a:r>
+            <a:r>
+              <a:rPr lang="tr-TR" baseline="0" dirty="0" err="1" smtClean="0"/>
+              <a:t>are</a:t>
+            </a:r>
+            <a:r>
+              <a:rPr lang="tr-TR" baseline="0" dirty="0" smtClean="0"/>
+              <a:t> </a:t>
+            </a:r>
+            <a:r>
+              <a:rPr lang="tr-TR" baseline="0" dirty="0" err="1" smtClean="0"/>
+              <a:t>two</a:t>
+            </a:r>
+            <a:r>
+              <a:rPr lang="tr-TR" baseline="0" dirty="0" smtClean="0"/>
+              <a:t> </a:t>
+            </a:r>
+            <a:r>
+              <a:rPr lang="tr-TR" baseline="0" dirty="0" err="1" smtClean="0"/>
+              <a:t>states</a:t>
+            </a:r>
+            <a:r>
+              <a:rPr lang="tr-TR" baseline="0" dirty="0" smtClean="0"/>
+              <a:t> name s </a:t>
+            </a:r>
+            <a:r>
+              <a:rPr lang="tr-TR" baseline="0" dirty="0" err="1" smtClean="0"/>
+              <a:t>and</a:t>
+            </a:r>
+            <a:r>
+              <a:rPr lang="tr-TR" baseline="0" dirty="0" smtClean="0"/>
+              <a:t> t </a:t>
+            </a:r>
+            <a:r>
+              <a:rPr lang="tr-TR" baseline="0" dirty="0" err="1" smtClean="0"/>
+              <a:t>and</a:t>
+            </a:r>
+            <a:r>
+              <a:rPr lang="tr-TR" baseline="0" dirty="0" smtClean="0"/>
+              <a:t> </a:t>
+            </a:r>
+            <a:r>
+              <a:rPr lang="tr-TR" baseline="0" dirty="0" err="1" smtClean="0"/>
+              <a:t>there</a:t>
+            </a:r>
+            <a:r>
+              <a:rPr lang="tr-TR" baseline="0" dirty="0" smtClean="0"/>
+              <a:t> </a:t>
+            </a:r>
+            <a:r>
+              <a:rPr lang="tr-TR" baseline="0" dirty="0" err="1" smtClean="0"/>
+              <a:t>are</a:t>
+            </a:r>
+            <a:r>
+              <a:rPr lang="tr-TR" baseline="0" dirty="0" smtClean="0"/>
+              <a:t> </a:t>
+            </a:r>
+            <a:r>
+              <a:rPr lang="tr-TR" baseline="0" dirty="0" err="1" smtClean="0"/>
+              <a:t>two</a:t>
+            </a:r>
+            <a:r>
+              <a:rPr lang="tr-TR" baseline="0" dirty="0" smtClean="0"/>
+              <a:t> </a:t>
+            </a:r>
+            <a:r>
+              <a:rPr lang="tr-TR" baseline="0" dirty="0" err="1" smtClean="0"/>
+              <a:t>emission</a:t>
+            </a:r>
+            <a:r>
+              <a:rPr lang="tr-TR" baseline="0" dirty="0" smtClean="0"/>
+              <a:t> </a:t>
+            </a:r>
+            <a:r>
+              <a:rPr lang="tr-TR" baseline="0" dirty="0" err="1" smtClean="0"/>
+              <a:t>types</a:t>
+            </a:r>
+            <a:r>
+              <a:rPr lang="tr-TR" baseline="0" dirty="0" smtClean="0"/>
+              <a:t> as «A» </a:t>
+            </a:r>
+            <a:r>
+              <a:rPr lang="tr-TR" baseline="0" dirty="0" err="1" smtClean="0"/>
+              <a:t>and</a:t>
+            </a:r>
+            <a:r>
+              <a:rPr lang="tr-TR" baseline="0" dirty="0" smtClean="0"/>
+              <a:t> «B». </a:t>
+            </a:r>
+            <a:r>
+              <a:rPr lang="tr-TR" baseline="0" dirty="0" err="1" smtClean="0"/>
+              <a:t>Lets</a:t>
+            </a:r>
+            <a:r>
+              <a:rPr lang="tr-TR" baseline="0" dirty="0" smtClean="0"/>
+              <a:t> </a:t>
+            </a:r>
+            <a:r>
+              <a:rPr lang="tr-TR" baseline="0" dirty="0" err="1" smtClean="0"/>
+              <a:t>think</a:t>
+            </a:r>
+            <a:r>
+              <a:rPr lang="tr-TR" baseline="0" dirty="0" smtClean="0"/>
+              <a:t> </a:t>
+            </a:r>
+            <a:r>
+              <a:rPr lang="tr-TR" baseline="0" dirty="0" err="1" smtClean="0"/>
+              <a:t>that</a:t>
+            </a:r>
+            <a:r>
+              <a:rPr lang="tr-TR" baseline="0" dirty="0" smtClean="0"/>
+              <a:t> </a:t>
+            </a:r>
+            <a:r>
+              <a:rPr lang="tr-TR" baseline="0" dirty="0" err="1" smtClean="0"/>
+              <a:t>we</a:t>
+            </a:r>
+            <a:r>
+              <a:rPr lang="tr-TR" baseline="0" dirty="0" smtClean="0"/>
+              <a:t> </a:t>
+            </a:r>
+            <a:r>
+              <a:rPr lang="tr-TR" baseline="0" dirty="0" err="1" smtClean="0"/>
+              <a:t>observed</a:t>
+            </a:r>
+            <a:r>
+              <a:rPr lang="tr-TR" baseline="0" dirty="0" smtClean="0"/>
+              <a:t> </a:t>
+            </a:r>
+            <a:r>
+              <a:rPr lang="tr-TR" baseline="0" dirty="0" err="1" smtClean="0"/>
+              <a:t>sequence</a:t>
+            </a:r>
+            <a:r>
+              <a:rPr lang="tr-TR" baseline="0" dirty="0" smtClean="0"/>
+              <a:t> </a:t>
+            </a:r>
+            <a:r>
+              <a:rPr lang="tr-TR" baseline="0" dirty="0" err="1" smtClean="0"/>
+              <a:t>named</a:t>
+            </a:r>
+            <a:r>
+              <a:rPr lang="tr-TR" baseline="0" dirty="0" smtClean="0"/>
+              <a:t> «BAB» </a:t>
+            </a:r>
+            <a:r>
+              <a:rPr lang="tr-TR" baseline="0" dirty="0" err="1" smtClean="0"/>
+              <a:t>from</a:t>
+            </a:r>
+            <a:r>
+              <a:rPr lang="tr-TR" baseline="0" dirty="0" smtClean="0"/>
+              <a:t> </a:t>
+            </a:r>
+            <a:r>
+              <a:rPr lang="tr-TR" baseline="0" dirty="0" err="1" smtClean="0"/>
+              <a:t>nature</a:t>
+            </a:r>
+            <a:r>
+              <a:rPr lang="tr-TR" baseline="0" dirty="0" smtClean="0"/>
+              <a:t>. </a:t>
+            </a:r>
+            <a:r>
+              <a:rPr lang="tr-TR" baseline="0" dirty="0" err="1" smtClean="0"/>
+              <a:t>Forward</a:t>
+            </a:r>
+            <a:r>
+              <a:rPr lang="tr-TR" baseline="0" dirty="0" smtClean="0"/>
+              <a:t> </a:t>
+            </a:r>
+            <a:r>
+              <a:rPr lang="tr-TR" baseline="0" dirty="0" err="1" smtClean="0"/>
+              <a:t>algorithm</a:t>
+            </a:r>
+            <a:r>
+              <a:rPr lang="tr-TR" baseline="0" dirty="0" smtClean="0"/>
+              <a:t>, </a:t>
+            </a:r>
+            <a:r>
+              <a:rPr lang="tr-TR" baseline="0" dirty="0" err="1" smtClean="0"/>
+              <a:t>will</a:t>
+            </a:r>
+            <a:r>
+              <a:rPr lang="tr-TR" baseline="0" dirty="0" smtClean="0"/>
+              <a:t> </a:t>
+            </a:r>
+            <a:r>
+              <a:rPr lang="tr-TR" baseline="0" dirty="0" err="1" smtClean="0"/>
+              <a:t>find</a:t>
+            </a:r>
+            <a:r>
+              <a:rPr lang="tr-TR" baseline="0" dirty="0" smtClean="0"/>
+              <a:t> </a:t>
+            </a:r>
+            <a:r>
+              <a:rPr lang="tr-TR" baseline="0" dirty="0" err="1" smtClean="0"/>
+              <a:t>probability</a:t>
+            </a:r>
+            <a:r>
+              <a:rPr lang="tr-TR" baseline="0" dirty="0" smtClean="0"/>
+              <a:t> of </a:t>
+            </a:r>
+            <a:r>
+              <a:rPr lang="tr-TR" baseline="0" dirty="0" err="1" smtClean="0"/>
+              <a:t>creating</a:t>
+            </a:r>
+            <a:r>
+              <a:rPr lang="tr-TR" baseline="0" dirty="0" smtClean="0"/>
+              <a:t> BAB </a:t>
+            </a:r>
+            <a:r>
+              <a:rPr lang="tr-TR" baseline="0" dirty="0" err="1" smtClean="0"/>
+              <a:t>from</a:t>
+            </a:r>
+            <a:r>
+              <a:rPr lang="tr-TR" baseline="0" dirty="0" smtClean="0"/>
+              <a:t> </a:t>
+            </a:r>
+            <a:r>
+              <a:rPr lang="tr-TR" baseline="0" dirty="0" err="1" smtClean="0"/>
+              <a:t>this</a:t>
+            </a:r>
+            <a:r>
+              <a:rPr lang="tr-TR" baseline="0" dirty="0" smtClean="0"/>
+              <a:t> model </a:t>
+            </a:r>
+            <a:r>
+              <a:rPr lang="tr-TR" baseline="0" dirty="0" err="1" smtClean="0"/>
+              <a:t>from</a:t>
+            </a:r>
+            <a:r>
+              <a:rPr lang="tr-TR" baseline="0" dirty="0" smtClean="0"/>
+              <a:t> </a:t>
+            </a:r>
+            <a:r>
+              <a:rPr lang="tr-TR" baseline="0" dirty="0" err="1" smtClean="0"/>
+              <a:t>first</a:t>
+            </a:r>
+            <a:r>
+              <a:rPr lang="tr-TR" baseline="0" dirty="0" smtClean="0"/>
+              <a:t> </a:t>
+            </a:r>
+            <a:r>
+              <a:rPr lang="tr-TR" baseline="0" dirty="0" err="1" smtClean="0"/>
+              <a:t>letter</a:t>
+            </a:r>
+            <a:r>
+              <a:rPr lang="tr-TR" baseline="0" dirty="0" smtClean="0"/>
+              <a:t> </a:t>
+            </a:r>
+            <a:r>
+              <a:rPr lang="tr-TR" baseline="0" dirty="0" err="1" smtClean="0"/>
+              <a:t>to</a:t>
+            </a:r>
+            <a:r>
+              <a:rPr lang="tr-TR" baseline="0" dirty="0" smtClean="0"/>
+              <a:t> </a:t>
+            </a:r>
+            <a:r>
+              <a:rPr lang="tr-TR" baseline="0" dirty="0" err="1" smtClean="0"/>
+              <a:t>end</a:t>
+            </a:r>
+            <a:r>
+              <a:rPr lang="tr-TR" baseline="0" dirty="0" smtClean="0"/>
+              <a:t>.</a:t>
+            </a:r>
             <a:endParaRPr lang="tr-TR" dirty="0"/>
           </a:p>
         </p:txBody>
@@ -1297,7 +2292,308 @@
           <a:bodyPr/>
           <a:lstStyle/>
           <a:p>
-            <a:endParaRPr lang="tr-TR" dirty="0"/>
+            <a:r>
+              <a:rPr lang="tr-TR" dirty="0" err="1" smtClean="0"/>
+              <a:t>This</a:t>
+            </a:r>
+            <a:r>
+              <a:rPr lang="tr-TR" baseline="0" dirty="0" smtClean="0"/>
+              <a:t> is </a:t>
+            </a:r>
+            <a:r>
+              <a:rPr lang="tr-TR" baseline="0" dirty="0" err="1" smtClean="0"/>
+              <a:t>backward</a:t>
+            </a:r>
+            <a:r>
+              <a:rPr lang="tr-TR" baseline="0" dirty="0" smtClean="0"/>
+              <a:t> </a:t>
+            </a:r>
+            <a:r>
+              <a:rPr lang="tr-TR" baseline="0" dirty="0" err="1" smtClean="0"/>
+              <a:t>algorithm</a:t>
+            </a:r>
+            <a:r>
+              <a:rPr lang="tr-TR" baseline="0" dirty="0" smtClean="0"/>
+              <a:t>. </a:t>
+            </a:r>
+            <a:r>
+              <a:rPr lang="tr-TR" baseline="0" dirty="0" err="1" smtClean="0"/>
+              <a:t>There</a:t>
+            </a:r>
+            <a:r>
+              <a:rPr lang="tr-TR" baseline="0" dirty="0" smtClean="0"/>
+              <a:t> is a </a:t>
+            </a:r>
+            <a:r>
+              <a:rPr lang="tr-TR" baseline="0" dirty="0" err="1" smtClean="0"/>
+              <a:t>little</a:t>
+            </a:r>
+            <a:r>
+              <a:rPr lang="tr-TR" baseline="0" dirty="0" smtClean="0"/>
+              <a:t> </a:t>
+            </a:r>
+            <a:r>
+              <a:rPr lang="tr-TR" baseline="0" dirty="0" err="1" smtClean="0"/>
+              <a:t>difference</a:t>
+            </a:r>
+            <a:r>
+              <a:rPr lang="tr-TR" baseline="0" dirty="0" smtClean="0"/>
+              <a:t> </a:t>
+            </a:r>
+            <a:r>
+              <a:rPr lang="tr-TR" baseline="0" dirty="0" err="1" smtClean="0"/>
+              <a:t>between</a:t>
+            </a:r>
+            <a:r>
+              <a:rPr lang="tr-TR" baseline="0" dirty="0" smtClean="0"/>
+              <a:t> </a:t>
+            </a:r>
+            <a:r>
+              <a:rPr lang="tr-TR" baseline="0" dirty="0" err="1" smtClean="0"/>
+              <a:t>forward</a:t>
+            </a:r>
+            <a:r>
+              <a:rPr lang="tr-TR" baseline="0" dirty="0" smtClean="0"/>
+              <a:t> </a:t>
+            </a:r>
+            <a:r>
+              <a:rPr lang="tr-TR" baseline="0" dirty="0" err="1" smtClean="0"/>
+              <a:t>algorithm</a:t>
+            </a:r>
+            <a:r>
+              <a:rPr lang="tr-TR" baseline="0" dirty="0" smtClean="0"/>
+              <a:t>. </a:t>
+            </a:r>
+            <a:r>
+              <a:rPr lang="tr-TR" baseline="0" dirty="0" err="1" smtClean="0"/>
+              <a:t>It</a:t>
+            </a:r>
+            <a:r>
+              <a:rPr lang="tr-TR" baseline="0" dirty="0" smtClean="0"/>
+              <a:t> </a:t>
+            </a:r>
+            <a:r>
+              <a:rPr lang="tr-TR" baseline="0" dirty="0" err="1" smtClean="0"/>
+              <a:t>finds</a:t>
+            </a:r>
+            <a:r>
+              <a:rPr lang="tr-TR" baseline="0" dirty="0" smtClean="0"/>
+              <a:t> </a:t>
+            </a:r>
+            <a:r>
+              <a:rPr lang="tr-TR" baseline="0" dirty="0" err="1" smtClean="0"/>
+              <a:t>probability</a:t>
+            </a:r>
+            <a:r>
+              <a:rPr lang="tr-TR" baseline="0" dirty="0" smtClean="0"/>
+              <a:t> as </a:t>
+            </a:r>
+            <a:r>
+              <a:rPr lang="tr-TR" baseline="0" dirty="0" err="1" smtClean="0"/>
+              <a:t>backtrace</a:t>
+            </a:r>
+            <a:r>
+              <a:rPr lang="tr-TR" baseline="0" dirty="0" smtClean="0"/>
+              <a:t>. </a:t>
+            </a:r>
+            <a:r>
+              <a:rPr lang="tr-TR" baseline="0" dirty="0" err="1" smtClean="0"/>
+              <a:t>We</a:t>
+            </a:r>
+            <a:r>
+              <a:rPr lang="tr-TR" baseline="0" dirty="0" smtClean="0"/>
+              <a:t> </a:t>
+            </a:r>
+            <a:r>
+              <a:rPr lang="tr-TR" baseline="0" dirty="0" err="1" smtClean="0"/>
+              <a:t>assume</a:t>
+            </a:r>
+            <a:r>
+              <a:rPr lang="tr-TR" baseline="0" dirty="0" smtClean="0"/>
+              <a:t> </a:t>
+            </a:r>
+            <a:r>
+              <a:rPr lang="tr-TR" baseline="0" dirty="0" err="1" smtClean="0"/>
+              <a:t>probability</a:t>
+            </a:r>
+            <a:r>
+              <a:rPr lang="tr-TR" baseline="0" dirty="0" smtClean="0"/>
+              <a:t> of </a:t>
+            </a:r>
+            <a:r>
+              <a:rPr lang="tr-TR" baseline="0" dirty="0" err="1" smtClean="0"/>
+              <a:t>entering</a:t>
+            </a:r>
+            <a:r>
+              <a:rPr lang="tr-TR" baseline="0" dirty="0" smtClean="0"/>
+              <a:t> </a:t>
+            </a:r>
+            <a:r>
+              <a:rPr lang="tr-TR" baseline="0" dirty="0" err="1" smtClean="0"/>
+              <a:t>last</a:t>
+            </a:r>
+            <a:r>
+              <a:rPr lang="tr-TR" baseline="0" dirty="0" smtClean="0"/>
+              <a:t> </a:t>
+            </a:r>
+            <a:r>
+              <a:rPr lang="tr-TR" baseline="0" dirty="0" err="1" smtClean="0"/>
+              <a:t>state</a:t>
+            </a:r>
+            <a:r>
+              <a:rPr lang="tr-TR" baseline="0" dirty="0" smtClean="0"/>
+              <a:t> is 1. </a:t>
+            </a:r>
+            <a:r>
+              <a:rPr lang="tr-TR" baseline="0" dirty="0" err="1" smtClean="0"/>
+              <a:t>Then</a:t>
+            </a:r>
+            <a:r>
+              <a:rPr lang="tr-TR" baseline="0" dirty="0" smtClean="0"/>
+              <a:t> it </a:t>
+            </a:r>
+            <a:r>
+              <a:rPr lang="tr-TR" baseline="0" dirty="0" err="1" smtClean="0"/>
+              <a:t>goes</a:t>
+            </a:r>
+            <a:r>
+              <a:rPr lang="tr-TR" baseline="0" dirty="0" smtClean="0"/>
+              <a:t> </a:t>
+            </a:r>
+            <a:r>
+              <a:rPr lang="tr-TR" baseline="0" dirty="0" err="1" smtClean="0"/>
+              <a:t>to</a:t>
+            </a:r>
+            <a:r>
+              <a:rPr lang="tr-TR" baseline="0" dirty="0" smtClean="0"/>
+              <a:t> </a:t>
+            </a:r>
+            <a:r>
+              <a:rPr lang="tr-TR" baseline="0" dirty="0" err="1" smtClean="0"/>
+              <a:t>first</a:t>
+            </a:r>
+            <a:r>
+              <a:rPr lang="tr-TR" baseline="0" dirty="0" smtClean="0"/>
+              <a:t> </a:t>
+            </a:r>
+            <a:r>
+              <a:rPr lang="tr-TR" baseline="0" dirty="0" err="1" smtClean="0"/>
+              <a:t>state</a:t>
+            </a:r>
+            <a:r>
+              <a:rPr lang="tr-TR" baseline="0" dirty="0" smtClean="0"/>
+              <a:t> </a:t>
+            </a:r>
+            <a:r>
+              <a:rPr lang="tr-TR" baseline="0" dirty="0" err="1" smtClean="0"/>
+              <a:t>from</a:t>
+            </a:r>
+            <a:r>
+              <a:rPr lang="tr-TR" baseline="0" dirty="0" smtClean="0"/>
+              <a:t> </a:t>
+            </a:r>
+            <a:r>
+              <a:rPr lang="tr-TR" baseline="0" dirty="0" err="1" smtClean="0"/>
+              <a:t>last</a:t>
+            </a:r>
+            <a:r>
+              <a:rPr lang="tr-TR" baseline="0" dirty="0" smtClean="0"/>
+              <a:t> </a:t>
+            </a:r>
+            <a:r>
+              <a:rPr lang="tr-TR" baseline="0" dirty="0" err="1" smtClean="0"/>
+              <a:t>state</a:t>
+            </a:r>
+            <a:r>
+              <a:rPr lang="tr-TR" baseline="0" dirty="0" smtClean="0"/>
+              <a:t>. </a:t>
+            </a:r>
+            <a:r>
+              <a:rPr lang="tr-TR" baseline="0" dirty="0" err="1" smtClean="0"/>
+              <a:t>These</a:t>
+            </a:r>
+            <a:r>
+              <a:rPr lang="tr-TR" baseline="0" dirty="0" smtClean="0"/>
+              <a:t> </a:t>
+            </a:r>
+            <a:r>
+              <a:rPr lang="tr-TR" baseline="0" dirty="0" err="1" smtClean="0"/>
+              <a:t>forward</a:t>
+            </a:r>
+            <a:r>
+              <a:rPr lang="tr-TR" baseline="0" dirty="0" smtClean="0"/>
+              <a:t> </a:t>
+            </a:r>
+            <a:r>
+              <a:rPr lang="tr-TR" baseline="0" dirty="0" err="1" smtClean="0"/>
+              <a:t>and</a:t>
+            </a:r>
+            <a:r>
+              <a:rPr lang="tr-TR" baseline="0" dirty="0" smtClean="0"/>
+              <a:t> </a:t>
+            </a:r>
+            <a:r>
+              <a:rPr lang="tr-TR" baseline="0" dirty="0" err="1" smtClean="0"/>
+              <a:t>backward</a:t>
+            </a:r>
+            <a:r>
+              <a:rPr lang="tr-TR" baseline="0" dirty="0" smtClean="0"/>
+              <a:t> </a:t>
+            </a:r>
+            <a:r>
+              <a:rPr lang="tr-TR" baseline="0" dirty="0" err="1" smtClean="0"/>
+              <a:t>outputs</a:t>
+            </a:r>
+            <a:r>
+              <a:rPr lang="tr-TR" baseline="0" dirty="0" smtClean="0"/>
+              <a:t> </a:t>
+            </a:r>
+            <a:r>
+              <a:rPr lang="tr-TR" baseline="0" dirty="0" err="1" smtClean="0"/>
+              <a:t>will</a:t>
+            </a:r>
+            <a:r>
+              <a:rPr lang="tr-TR" baseline="0" dirty="0" smtClean="0"/>
+              <a:t> be </a:t>
+            </a:r>
+            <a:r>
+              <a:rPr lang="tr-TR" baseline="0" dirty="0" err="1" smtClean="0"/>
+              <a:t>used</a:t>
+            </a:r>
+            <a:r>
+              <a:rPr lang="tr-TR" baseline="0" dirty="0" smtClean="0"/>
+              <a:t> in gamma </a:t>
+            </a:r>
+            <a:r>
+              <a:rPr lang="tr-TR" baseline="0" dirty="0" err="1" smtClean="0"/>
+              <a:t>creation</a:t>
+            </a:r>
+            <a:r>
+              <a:rPr lang="tr-TR" baseline="0" dirty="0" smtClean="0"/>
+              <a:t>.</a:t>
+            </a:r>
+          </a:p>
+          <a:p>
+            <a:endParaRPr lang="tr-TR" baseline="0" dirty="0" smtClean="0"/>
+          </a:p>
+          <a:p>
+            <a:r>
+              <a:rPr lang="tr-TR" baseline="0" dirty="0" smtClean="0"/>
+              <a:t>B(BAB,3,S) = 1  </a:t>
+            </a:r>
+          </a:p>
+          <a:p>
+            <a:r>
+              <a:rPr lang="tr-TR" baseline="0" dirty="0" smtClean="0"/>
+              <a:t>B(BAB,3,T)= 1</a:t>
+            </a:r>
+          </a:p>
+          <a:p>
+            <a:r>
+              <a:rPr lang="tr-TR" baseline="0" dirty="0" smtClean="0"/>
+              <a:t>B(BAB,2,S) = (S&gt;S)*(S&gt;B)*B(BAB,3,S) + (S&gt;T)*(T&gt;B)*B(BAB,3,T)</a:t>
+            </a:r>
+            <a:endParaRPr lang="tr-TR" baseline="0" dirty="0"/>
           </a:p>
         </p:txBody>
       </p:sp>
@@ -1382,109 +2678,528 @@
           <a:lstStyle/>
           <a:p>
             <a:r>
-              <a:rPr lang="en-US" sz="1200" b="0" i="0" kern="1200" dirty="0" smtClean="0">
-                <a:solidFill>
-                  <a:schemeClr val="tx1"/>
-                </a:solidFill>
-                <a:effectLst/>
-                <a:latin typeface="+mn-lt"/>
-                <a:ea typeface="+mn-ea"/>
-                <a:cs typeface="+mn-cs"/>
-              </a:rPr>
-              <a:t>The </a:t>
-            </a:r>
-            <a:r>
-              <a:rPr lang="en-US" sz="1200" b="1" i="0" kern="1200" dirty="0" smtClean="0">
-                <a:solidFill>
-                  <a:schemeClr val="tx1"/>
-                </a:solidFill>
-                <a:effectLst/>
-                <a:latin typeface="+mn-lt"/>
-                <a:ea typeface="+mn-ea"/>
-                <a:cs typeface="+mn-cs"/>
-              </a:rPr>
-              <a:t>Viterbi algorithm</a:t>
-            </a:r>
-            <a:r>
-              <a:rPr lang="en-US" sz="1200" b="0" i="0" kern="1200" dirty="0" smtClean="0">
-                <a:solidFill>
-                  <a:schemeClr val="tx1"/>
-                </a:solidFill>
-                <a:effectLst/>
-                <a:latin typeface="+mn-lt"/>
-                <a:ea typeface="+mn-ea"/>
-                <a:cs typeface="+mn-cs"/>
-              </a:rPr>
-              <a:t> is for finding the most </a:t>
-            </a:r>
-            <a:r>
-              <a:rPr lang="en-US" sz="1200" b="0" i="0" u="none" strike="noStrike" kern="1200" dirty="0" smtClean="0">
-                <a:solidFill>
-                  <a:schemeClr val="tx1"/>
-                </a:solidFill>
-                <a:effectLst/>
-                <a:latin typeface="+mn-lt"/>
-                <a:ea typeface="+mn-ea"/>
-                <a:cs typeface="+mn-cs"/>
-                <a:hlinkClick r:id="rId3" tooltip="Likelihood function"/>
-              </a:rPr>
-              <a:t>likely</a:t>
-            </a:r>
-            <a:r>
-              <a:rPr lang="en-US" sz="1200" b="0" i="0" kern="1200" dirty="0" smtClean="0">
-                <a:solidFill>
-                  <a:schemeClr val="tx1"/>
-                </a:solidFill>
-                <a:effectLst/>
-                <a:latin typeface="+mn-lt"/>
-                <a:ea typeface="+mn-ea"/>
-                <a:cs typeface="+mn-cs"/>
-              </a:rPr>
-              <a:t> sequence of hidden states – called the </a:t>
-            </a:r>
-            <a:r>
-              <a:rPr lang="en-US" sz="1200" b="1" i="0" kern="1200" dirty="0" smtClean="0">
-                <a:solidFill>
-                  <a:schemeClr val="tx1"/>
-                </a:solidFill>
-                <a:effectLst/>
-                <a:latin typeface="+mn-lt"/>
-                <a:ea typeface="+mn-ea"/>
-                <a:cs typeface="+mn-cs"/>
-              </a:rPr>
-              <a:t>Viterbi path</a:t>
-            </a:r>
-            <a:r>
-              <a:rPr lang="en-US" sz="1200" b="0" i="0" kern="1200" dirty="0" smtClean="0">
-                <a:solidFill>
-                  <a:schemeClr val="tx1"/>
-                </a:solidFill>
-                <a:effectLst/>
-                <a:latin typeface="+mn-lt"/>
-                <a:ea typeface="+mn-ea"/>
-                <a:cs typeface="+mn-cs"/>
-              </a:rPr>
-              <a:t> – that results in a sequence of observed events</a:t>
-            </a:r>
-            <a:r>
-              <a:rPr lang="tr-TR" sz="1200" b="0" i="0" kern="1200" dirty="0" smtClean="0">
-                <a:solidFill>
-                  <a:schemeClr val="tx1"/>
-                </a:solidFill>
-                <a:effectLst/>
-                <a:latin typeface="+mn-lt"/>
-                <a:ea typeface="+mn-ea"/>
-                <a:cs typeface="+mn-cs"/>
-              </a:rPr>
-              <a:t>.</a:t>
-            </a:r>
-          </a:p>
-          <a:p>
-            <a:endParaRPr lang="tr-TR" sz="1200" b="0" i="0" kern="1200" dirty="0" smtClean="0">
+              <a:rPr lang="tr-TR" sz="1200" b="0" i="0" u="none" strike="noStrike" kern="1200" baseline="0" dirty="0" smtClean="0">
+                <a:solidFill>
+                  <a:schemeClr val="tx1"/>
+                </a:solidFill>
+                <a:latin typeface="+mn-lt"/>
+                <a:ea typeface="+mn-ea"/>
+                <a:cs typeface="+mn-cs"/>
+              </a:rPr>
+              <a:t>Gamma </a:t>
+            </a:r>
+            <a:r>
+              <a:rPr lang="tr-TR" sz="1200" b="0" i="0" u="none" strike="noStrike" kern="1200" baseline="0" dirty="0" err="1" smtClean="0">
+                <a:solidFill>
+                  <a:schemeClr val="tx1"/>
+                </a:solidFill>
+                <a:latin typeface="+mn-lt"/>
+                <a:ea typeface="+mn-ea"/>
+                <a:cs typeface="+mn-cs"/>
+              </a:rPr>
+              <a:t>algoritm</a:t>
+            </a:r>
+            <a:r>
+              <a:rPr lang="tr-TR" sz="1200" b="0" i="0" u="none" strike="noStrike" kern="1200" baseline="0" dirty="0" smtClean="0">
+                <a:solidFill>
+                  <a:schemeClr val="tx1"/>
+                </a:solidFill>
+                <a:latin typeface="+mn-lt"/>
+                <a:ea typeface="+mn-ea"/>
+                <a:cs typeface="+mn-cs"/>
+              </a:rPr>
+              <a:t> </a:t>
+            </a:r>
+            <a:r>
+              <a:rPr lang="tr-TR" sz="1200" b="0" i="0" u="none" strike="noStrike" kern="1200" baseline="0" dirty="0" err="1" smtClean="0">
+                <a:solidFill>
+                  <a:schemeClr val="tx1"/>
+                </a:solidFill>
+                <a:latin typeface="+mn-lt"/>
+                <a:ea typeface="+mn-ea"/>
+                <a:cs typeface="+mn-cs"/>
+              </a:rPr>
+              <a:t>provides</a:t>
+            </a:r>
+            <a:r>
+              <a:rPr lang="tr-TR" sz="1200" b="0" i="0" u="none" strike="noStrike" kern="1200" baseline="0" dirty="0" smtClean="0">
+                <a:solidFill>
+                  <a:schemeClr val="tx1"/>
+                </a:solidFill>
+                <a:latin typeface="+mn-lt"/>
+                <a:ea typeface="+mn-ea"/>
+                <a:cs typeface="+mn-cs"/>
+              </a:rPr>
+              <a:t>, </a:t>
+            </a:r>
+            <a:r>
+              <a:rPr lang="tr-TR" sz="1200" b="0" i="0" u="none" strike="noStrike" kern="1200" baseline="0" dirty="0" err="1" smtClean="0">
+                <a:solidFill>
+                  <a:schemeClr val="tx1"/>
+                </a:solidFill>
+                <a:latin typeface="+mn-lt"/>
+                <a:ea typeface="+mn-ea"/>
+                <a:cs typeface="+mn-cs"/>
+              </a:rPr>
+              <a:t>for</a:t>
+            </a:r>
+            <a:r>
+              <a:rPr lang="tr-TR" sz="1200" b="0" i="0" u="none" strike="noStrike" kern="1200" baseline="0" dirty="0" smtClean="0">
+                <a:solidFill>
+                  <a:schemeClr val="tx1"/>
+                </a:solidFill>
+                <a:latin typeface="+mn-lt"/>
+                <a:ea typeface="+mn-ea"/>
+                <a:cs typeface="+mn-cs"/>
+              </a:rPr>
+              <a:t> </a:t>
+            </a:r>
+            <a:r>
+              <a:rPr lang="tr-TR" sz="1200" b="0" i="0" u="none" strike="noStrike" kern="1200" baseline="0" dirty="0" err="1" smtClean="0">
+                <a:solidFill>
+                  <a:schemeClr val="tx1"/>
+                </a:solidFill>
+                <a:latin typeface="+mn-lt"/>
+                <a:ea typeface="+mn-ea"/>
+                <a:cs typeface="+mn-cs"/>
+              </a:rPr>
+              <a:t>finding</a:t>
+            </a:r>
+            <a:r>
+              <a:rPr lang="tr-TR" sz="1200" b="0" i="0" u="none" strike="noStrike" kern="1200" baseline="0" dirty="0" smtClean="0">
+                <a:solidFill>
+                  <a:schemeClr val="tx1"/>
+                </a:solidFill>
+                <a:latin typeface="+mn-lt"/>
+                <a:ea typeface="+mn-ea"/>
+                <a:cs typeface="+mn-cs"/>
+              </a:rPr>
+              <a:t> </a:t>
+            </a:r>
+            <a:r>
+              <a:rPr lang="tr-TR" sz="1200" b="0" i="0" u="none" strike="noStrike" kern="1200" baseline="0" dirty="0" err="1" smtClean="0">
+                <a:solidFill>
+                  <a:schemeClr val="tx1"/>
+                </a:solidFill>
+                <a:latin typeface="+mn-lt"/>
+                <a:ea typeface="+mn-ea"/>
+                <a:cs typeface="+mn-cs"/>
+              </a:rPr>
+              <a:t>transitions</a:t>
+            </a:r>
+            <a:r>
+              <a:rPr lang="tr-TR" sz="1200" b="0" i="0" u="none" strike="noStrike" kern="1200" baseline="0" dirty="0" smtClean="0">
+                <a:solidFill>
+                  <a:schemeClr val="tx1"/>
+                </a:solidFill>
+                <a:latin typeface="+mn-lt"/>
+                <a:ea typeface="+mn-ea"/>
+                <a:cs typeface="+mn-cs"/>
+              </a:rPr>
+              <a:t> </a:t>
+            </a:r>
+            <a:r>
+              <a:rPr lang="tr-TR" sz="1200" b="0" i="0" u="none" strike="noStrike" kern="1200" baseline="0" dirty="0" err="1" smtClean="0">
+                <a:solidFill>
+                  <a:schemeClr val="tx1"/>
+                </a:solidFill>
+                <a:latin typeface="+mn-lt"/>
+                <a:ea typeface="+mn-ea"/>
+                <a:cs typeface="+mn-cs"/>
+              </a:rPr>
+              <a:t>probability</a:t>
+            </a:r>
+            <a:r>
+              <a:rPr lang="tr-TR" sz="1200" b="0" i="0" u="none" strike="noStrike" kern="1200" baseline="0" dirty="0" smtClean="0">
+                <a:solidFill>
+                  <a:schemeClr val="tx1"/>
+                </a:solidFill>
+                <a:latin typeface="+mn-lt"/>
+                <a:ea typeface="+mn-ea"/>
+                <a:cs typeface="+mn-cs"/>
+              </a:rPr>
+              <a:t>. </a:t>
+            </a:r>
+            <a:r>
+              <a:rPr lang="tr-TR" sz="1200" b="0" i="0" u="none" strike="noStrike" kern="1200" baseline="0" dirty="0" err="1" smtClean="0">
+                <a:solidFill>
+                  <a:schemeClr val="tx1"/>
+                </a:solidFill>
+                <a:latin typeface="+mn-lt"/>
+                <a:ea typeface="+mn-ea"/>
+                <a:cs typeface="+mn-cs"/>
+              </a:rPr>
+              <a:t>Generally</a:t>
+            </a:r>
+            <a:r>
+              <a:rPr lang="tr-TR" sz="1200" b="0" i="0" u="none" strike="noStrike" kern="1200" baseline="0" dirty="0" smtClean="0">
+                <a:solidFill>
+                  <a:schemeClr val="tx1"/>
+                </a:solidFill>
+                <a:latin typeface="+mn-lt"/>
+                <a:ea typeface="+mn-ea"/>
+                <a:cs typeface="+mn-cs"/>
+              </a:rPr>
+              <a:t>, it </a:t>
+            </a:r>
+            <a:r>
+              <a:rPr lang="tr-TR" sz="1200" b="0" i="0" u="none" strike="noStrike" kern="1200" baseline="0" dirty="0" err="1" smtClean="0">
+                <a:solidFill>
+                  <a:schemeClr val="tx1"/>
+                </a:solidFill>
+                <a:latin typeface="+mn-lt"/>
+                <a:ea typeface="+mn-ea"/>
+                <a:cs typeface="+mn-cs"/>
+              </a:rPr>
+              <a:t>combine</a:t>
+            </a:r>
+            <a:r>
+              <a:rPr lang="tr-TR" sz="1200" b="0" i="0" u="none" strike="noStrike" kern="1200" baseline="0" dirty="0" smtClean="0">
+                <a:solidFill>
+                  <a:schemeClr val="tx1"/>
+                </a:solidFill>
+                <a:latin typeface="+mn-lt"/>
+                <a:ea typeface="+mn-ea"/>
+                <a:cs typeface="+mn-cs"/>
+              </a:rPr>
+              <a:t> </a:t>
+            </a:r>
+            <a:r>
+              <a:rPr lang="tr-TR" sz="1200" b="0" i="0" u="none" strike="noStrike" kern="1200" baseline="0" dirty="0" err="1" smtClean="0">
+                <a:solidFill>
+                  <a:schemeClr val="tx1"/>
+                </a:solidFill>
+                <a:latin typeface="+mn-lt"/>
+                <a:ea typeface="+mn-ea"/>
+                <a:cs typeface="+mn-cs"/>
+              </a:rPr>
+              <a:t>forward</a:t>
+            </a:r>
+            <a:r>
+              <a:rPr lang="tr-TR" sz="1200" b="0" i="0" u="none" strike="noStrike" kern="1200" baseline="0" dirty="0" smtClean="0">
+                <a:solidFill>
+                  <a:schemeClr val="tx1"/>
+                </a:solidFill>
+                <a:latin typeface="+mn-lt"/>
+                <a:ea typeface="+mn-ea"/>
+                <a:cs typeface="+mn-cs"/>
+              </a:rPr>
+              <a:t> </a:t>
+            </a:r>
+            <a:r>
+              <a:rPr lang="tr-TR" sz="1200" b="0" i="0" u="none" strike="noStrike" kern="1200" baseline="0" dirty="0" err="1" smtClean="0">
+                <a:solidFill>
+                  <a:schemeClr val="tx1"/>
+                </a:solidFill>
+                <a:latin typeface="+mn-lt"/>
+                <a:ea typeface="+mn-ea"/>
+                <a:cs typeface="+mn-cs"/>
+              </a:rPr>
+              <a:t>and</a:t>
+            </a:r>
+            <a:r>
+              <a:rPr lang="tr-TR" sz="1200" b="0" i="0" u="none" strike="noStrike" kern="1200" baseline="0" dirty="0" smtClean="0">
+                <a:solidFill>
+                  <a:schemeClr val="tx1"/>
+                </a:solidFill>
+                <a:latin typeface="+mn-lt"/>
+                <a:ea typeface="+mn-ea"/>
+                <a:cs typeface="+mn-cs"/>
+              </a:rPr>
+              <a:t> </a:t>
+            </a:r>
+            <a:r>
+              <a:rPr lang="tr-TR" sz="1200" b="0" i="0" u="none" strike="noStrike" kern="1200" baseline="0" dirty="0" err="1" smtClean="0">
+                <a:solidFill>
+                  <a:schemeClr val="tx1"/>
+                </a:solidFill>
+                <a:latin typeface="+mn-lt"/>
+                <a:ea typeface="+mn-ea"/>
+                <a:cs typeface="+mn-cs"/>
+              </a:rPr>
+              <a:t>backward</a:t>
+            </a:r>
+            <a:r>
+              <a:rPr lang="tr-TR" sz="1200" b="0" i="0" u="none" strike="noStrike" kern="1200" baseline="0" dirty="0" smtClean="0">
+                <a:solidFill>
+                  <a:schemeClr val="tx1"/>
+                </a:solidFill>
+                <a:latin typeface="+mn-lt"/>
+                <a:ea typeface="+mn-ea"/>
+                <a:cs typeface="+mn-cs"/>
+              </a:rPr>
+              <a:t> </a:t>
+            </a:r>
+            <a:r>
+              <a:rPr lang="tr-TR" sz="1200" b="0" i="0" u="none" strike="noStrike" kern="1200" baseline="0" dirty="0" err="1" smtClean="0">
+                <a:solidFill>
+                  <a:schemeClr val="tx1"/>
+                </a:solidFill>
+                <a:latin typeface="+mn-lt"/>
+                <a:ea typeface="+mn-ea"/>
+                <a:cs typeface="+mn-cs"/>
+              </a:rPr>
+              <a:t>outputs</a:t>
+            </a:r>
+            <a:r>
+              <a:rPr lang="tr-TR" sz="1200" b="0" i="0" u="none" strike="noStrike" kern="1200" baseline="0" dirty="0" smtClean="0">
+                <a:solidFill>
+                  <a:schemeClr val="tx1"/>
+                </a:solidFill>
+                <a:latin typeface="+mn-lt"/>
+                <a:ea typeface="+mn-ea"/>
+                <a:cs typeface="+mn-cs"/>
+              </a:rPr>
+              <a:t> </a:t>
+            </a:r>
+            <a:r>
+              <a:rPr lang="tr-TR" sz="1200" b="0" i="0" u="none" strike="noStrike" kern="1200" baseline="0" dirty="0" err="1" smtClean="0">
+                <a:solidFill>
+                  <a:schemeClr val="tx1"/>
+                </a:solidFill>
+                <a:latin typeface="+mn-lt"/>
+                <a:ea typeface="+mn-ea"/>
+                <a:cs typeface="+mn-cs"/>
+              </a:rPr>
+              <a:t>for</a:t>
+            </a:r>
+            <a:r>
+              <a:rPr lang="tr-TR" sz="1200" b="0" i="0" u="none" strike="noStrike" kern="1200" baseline="0" dirty="0" smtClean="0">
+                <a:solidFill>
+                  <a:schemeClr val="tx1"/>
+                </a:solidFill>
+                <a:latin typeface="+mn-lt"/>
+                <a:ea typeface="+mn-ea"/>
+                <a:cs typeface="+mn-cs"/>
+              </a:rPr>
+              <a:t> </a:t>
+            </a:r>
+            <a:r>
+              <a:rPr lang="tr-TR" sz="1200" b="0" i="0" u="none" strike="noStrike" kern="1200" baseline="0" dirty="0" err="1" smtClean="0">
+                <a:solidFill>
+                  <a:schemeClr val="tx1"/>
+                </a:solidFill>
+                <a:latin typeface="+mn-lt"/>
+                <a:ea typeface="+mn-ea"/>
+                <a:cs typeface="+mn-cs"/>
+              </a:rPr>
+              <a:t>each</a:t>
+            </a:r>
+            <a:r>
+              <a:rPr lang="tr-TR" sz="1200" b="0" i="0" u="none" strike="noStrike" kern="1200" baseline="0" dirty="0" smtClean="0">
+                <a:solidFill>
+                  <a:schemeClr val="tx1"/>
+                </a:solidFill>
+                <a:latin typeface="+mn-lt"/>
+                <a:ea typeface="+mn-ea"/>
+                <a:cs typeface="+mn-cs"/>
+              </a:rPr>
+              <a:t> time of </a:t>
+            </a:r>
+            <a:r>
+              <a:rPr lang="tr-TR" sz="1200" b="0" i="0" u="none" strike="noStrike" kern="1200" baseline="0" dirty="0" err="1" smtClean="0">
+                <a:solidFill>
+                  <a:schemeClr val="tx1"/>
+                </a:solidFill>
+                <a:latin typeface="+mn-lt"/>
+                <a:ea typeface="+mn-ea"/>
+                <a:cs typeface="+mn-cs"/>
+              </a:rPr>
+              <a:t>our</a:t>
+            </a:r>
+            <a:r>
+              <a:rPr lang="tr-TR" sz="1200" b="0" i="0" u="none" strike="noStrike" kern="1200" baseline="0" dirty="0" smtClean="0">
+                <a:solidFill>
+                  <a:schemeClr val="tx1"/>
+                </a:solidFill>
+                <a:latin typeface="+mn-lt"/>
+                <a:ea typeface="+mn-ea"/>
+                <a:cs typeface="+mn-cs"/>
+              </a:rPr>
+              <a:t> </a:t>
+            </a:r>
+            <a:r>
+              <a:rPr lang="tr-TR" sz="1200" b="0" i="0" u="none" strike="noStrike" kern="1200" baseline="0" dirty="0" err="1" smtClean="0">
+                <a:solidFill>
+                  <a:schemeClr val="tx1"/>
+                </a:solidFill>
+                <a:latin typeface="+mn-lt"/>
+                <a:ea typeface="+mn-ea"/>
+                <a:cs typeface="+mn-cs"/>
+              </a:rPr>
+              <a:t>observation</a:t>
+            </a:r>
+            <a:r>
+              <a:rPr lang="tr-TR" sz="1200" b="0" i="0" u="none" strike="noStrike" kern="1200" baseline="0" dirty="0" smtClean="0">
+                <a:solidFill>
+                  <a:schemeClr val="tx1"/>
+                </a:solidFill>
+                <a:latin typeface="+mn-lt"/>
+                <a:ea typeface="+mn-ea"/>
+                <a:cs typeface="+mn-cs"/>
+              </a:rPr>
+              <a:t>. </a:t>
+            </a:r>
+            <a:r>
+              <a:rPr lang="tr-TR" sz="1200" b="0" i="0" u="none" strike="noStrike" kern="1200" baseline="0" dirty="0" err="1" smtClean="0">
+                <a:solidFill>
+                  <a:schemeClr val="tx1"/>
+                </a:solidFill>
+                <a:latin typeface="+mn-lt"/>
+                <a:ea typeface="+mn-ea"/>
+                <a:cs typeface="+mn-cs"/>
+              </a:rPr>
+              <a:t>It</a:t>
+            </a:r>
+            <a:r>
+              <a:rPr lang="tr-TR" sz="1200" b="0" i="0" u="none" strike="noStrike" kern="1200" baseline="0" dirty="0" smtClean="0">
+                <a:solidFill>
+                  <a:schemeClr val="tx1"/>
+                </a:solidFill>
+                <a:latin typeface="+mn-lt"/>
+                <a:ea typeface="+mn-ea"/>
+                <a:cs typeface="+mn-cs"/>
+              </a:rPr>
+              <a:t> </a:t>
+            </a:r>
+            <a:r>
+              <a:rPr lang="tr-TR" sz="1200" b="0" i="0" u="none" strike="noStrike" kern="1200" baseline="0" dirty="0" err="1" smtClean="0">
+                <a:solidFill>
+                  <a:schemeClr val="tx1"/>
+                </a:solidFill>
+                <a:latin typeface="+mn-lt"/>
+                <a:ea typeface="+mn-ea"/>
+                <a:cs typeface="+mn-cs"/>
+              </a:rPr>
+              <a:t>makes</a:t>
+            </a:r>
+            <a:r>
+              <a:rPr lang="tr-TR" sz="1200" b="0" i="0" u="none" strike="noStrike" kern="1200" baseline="0" dirty="0" smtClean="0">
+                <a:solidFill>
+                  <a:schemeClr val="tx1"/>
+                </a:solidFill>
+                <a:latin typeface="+mn-lt"/>
+                <a:ea typeface="+mn-ea"/>
+                <a:cs typeface="+mn-cs"/>
+              </a:rPr>
+              <a:t> </a:t>
+            </a:r>
+            <a:r>
+              <a:rPr lang="tr-TR" sz="1200" b="0" i="0" u="none" strike="noStrike" kern="1200" baseline="0" dirty="0" err="1" smtClean="0">
+                <a:solidFill>
+                  <a:schemeClr val="tx1"/>
+                </a:solidFill>
+                <a:latin typeface="+mn-lt"/>
+                <a:ea typeface="+mn-ea"/>
+                <a:cs typeface="+mn-cs"/>
+              </a:rPr>
+              <a:t>better</a:t>
+            </a:r>
+            <a:r>
+              <a:rPr lang="tr-TR" sz="1200" b="0" i="0" u="none" strike="noStrike" kern="1200" baseline="0" dirty="0" smtClean="0">
+                <a:solidFill>
+                  <a:schemeClr val="tx1"/>
+                </a:solidFill>
+                <a:latin typeface="+mn-lt"/>
+                <a:ea typeface="+mn-ea"/>
+                <a:cs typeface="+mn-cs"/>
+              </a:rPr>
+              <a:t> </a:t>
+            </a:r>
+            <a:r>
+              <a:rPr lang="tr-TR" sz="1200" b="0" i="0" u="none" strike="noStrike" kern="1200" baseline="0" dirty="0" err="1" smtClean="0">
+                <a:solidFill>
+                  <a:schemeClr val="tx1"/>
+                </a:solidFill>
+                <a:latin typeface="+mn-lt"/>
+                <a:ea typeface="+mn-ea"/>
+                <a:cs typeface="+mn-cs"/>
+              </a:rPr>
+              <a:t>accuracy</a:t>
+            </a:r>
+            <a:r>
+              <a:rPr lang="tr-TR" sz="1200" b="0" i="0" u="none" strike="noStrike" kern="1200" baseline="0" dirty="0" smtClean="0">
+                <a:solidFill>
+                  <a:schemeClr val="tx1"/>
+                </a:solidFill>
+                <a:latin typeface="+mn-lt"/>
+                <a:ea typeface="+mn-ea"/>
+                <a:cs typeface="+mn-cs"/>
+              </a:rPr>
+              <a:t> </a:t>
+            </a:r>
+            <a:r>
+              <a:rPr lang="tr-TR" sz="1200" b="0" i="0" u="none" strike="noStrike" kern="1200" baseline="0" dirty="0" err="1" smtClean="0">
+                <a:solidFill>
+                  <a:schemeClr val="tx1"/>
+                </a:solidFill>
+                <a:latin typeface="+mn-lt"/>
+                <a:ea typeface="+mn-ea"/>
+                <a:cs typeface="+mn-cs"/>
+              </a:rPr>
+              <a:t>for</a:t>
+            </a:r>
+            <a:r>
+              <a:rPr lang="tr-TR" sz="1200" b="0" i="0" u="none" strike="noStrike" kern="1200" baseline="0" dirty="0" smtClean="0">
+                <a:solidFill>
+                  <a:schemeClr val="tx1"/>
+                </a:solidFill>
+                <a:latin typeface="+mn-lt"/>
+                <a:ea typeface="+mn-ea"/>
+                <a:cs typeface="+mn-cs"/>
+              </a:rPr>
+              <a:t> </a:t>
+            </a:r>
+            <a:r>
+              <a:rPr lang="tr-TR" sz="1200" b="0" i="0" u="none" strike="noStrike" kern="1200" baseline="0" dirty="0" err="1" smtClean="0">
+                <a:solidFill>
+                  <a:schemeClr val="tx1"/>
+                </a:solidFill>
+                <a:latin typeface="+mn-lt"/>
+                <a:ea typeface="+mn-ea"/>
+                <a:cs typeface="+mn-cs"/>
+              </a:rPr>
+              <a:t>finding</a:t>
+            </a:r>
+            <a:r>
+              <a:rPr lang="tr-TR" sz="1200" b="0" i="0" u="none" strike="noStrike" kern="1200" baseline="0" dirty="0" smtClean="0">
+                <a:solidFill>
+                  <a:schemeClr val="tx1"/>
+                </a:solidFill>
+                <a:latin typeface="+mn-lt"/>
+                <a:ea typeface="+mn-ea"/>
+                <a:cs typeface="+mn-cs"/>
+              </a:rPr>
+              <a:t> </a:t>
+            </a:r>
+            <a:r>
+              <a:rPr lang="tr-TR" sz="1200" b="0" i="0" u="none" strike="noStrike" kern="1200" baseline="0" dirty="0" err="1" smtClean="0">
+                <a:solidFill>
+                  <a:schemeClr val="tx1"/>
+                </a:solidFill>
+                <a:latin typeface="+mn-lt"/>
+                <a:ea typeface="+mn-ea"/>
+                <a:cs typeface="+mn-cs"/>
+              </a:rPr>
+              <a:t>transitions</a:t>
+            </a:r>
+            <a:r>
+              <a:rPr lang="tr-TR" sz="1200" b="0" i="0" u="none" strike="noStrike" kern="1200" baseline="0" dirty="0" smtClean="0">
+                <a:solidFill>
+                  <a:schemeClr val="tx1"/>
+                </a:solidFill>
+                <a:latin typeface="+mn-lt"/>
+                <a:ea typeface="+mn-ea"/>
+                <a:cs typeface="+mn-cs"/>
+              </a:rPr>
+              <a:t>. </a:t>
+            </a:r>
+          </a:p>
+          <a:p>
+            <a:endParaRPr lang="tr-TR" sz="1200" b="0" i="0" u="none" strike="noStrike" kern="1200" baseline="0" dirty="0" smtClean="0">
               <a:solidFill>
                 <a:schemeClr val="tx1"/>
               </a:solidFill>
-              <a:effectLst/>
               <a:latin typeface="+mn-lt"/>
               <a:ea typeface="+mn-ea"/>
               <a:cs typeface="+mn-cs"/>
@@ -1492,54 +3207,334 @@
           </a:p>
           <a:p>
             <a:r>
-              <a:rPr lang="tr-TR" sz="1200" b="0" i="0" kern="1200" dirty="0" smtClean="0">
-                <a:solidFill>
-                  <a:schemeClr val="tx1"/>
-                </a:solidFill>
-                <a:effectLst/>
-                <a:latin typeface="+mn-lt"/>
-                <a:ea typeface="+mn-ea"/>
-                <a:cs typeface="+mn-cs"/>
-              </a:rPr>
-              <a:t>Buraları</a:t>
-            </a:r>
-            <a:r>
-              <a:rPr lang="tr-TR" sz="1200" b="0" i="0" kern="1200" baseline="0" dirty="0" smtClean="0">
-                <a:solidFill>
-                  <a:schemeClr val="tx1"/>
-                </a:solidFill>
-                <a:effectLst/>
-                <a:latin typeface="+mn-lt"/>
-                <a:ea typeface="+mn-ea"/>
-                <a:cs typeface="+mn-cs"/>
-              </a:rPr>
-              <a:t> yine sana </a:t>
-            </a:r>
-            <a:r>
-              <a:rPr lang="tr-TR" sz="1200" b="0" i="0" kern="1200" baseline="0" dirty="0" err="1" smtClean="0">
-                <a:solidFill>
-                  <a:schemeClr val="tx1"/>
-                </a:solidFill>
-                <a:effectLst/>
-                <a:latin typeface="+mn-lt"/>
-                <a:ea typeface="+mn-ea"/>
-                <a:cs typeface="+mn-cs"/>
-              </a:rPr>
-              <a:t>bırakıyom</a:t>
-            </a:r>
-            <a:r>
-              <a:rPr lang="tr-TR" sz="1200" b="0" i="0" kern="1200" baseline="0" dirty="0" smtClean="0">
-                <a:solidFill>
-                  <a:schemeClr val="tx1"/>
-                </a:solidFill>
-                <a:effectLst/>
+              <a:rPr lang="tr-TR" sz="1200" b="0" i="0" u="none" strike="noStrike" kern="1200" baseline="0" dirty="0" err="1" smtClean="0">
+                <a:solidFill>
+                  <a:schemeClr val="tx1"/>
+                </a:solidFill>
+                <a:latin typeface="+mn-lt"/>
+                <a:ea typeface="+mn-ea"/>
+                <a:cs typeface="+mn-cs"/>
+              </a:rPr>
+              <a:t>Also</a:t>
+            </a:r>
+            <a:r>
+              <a:rPr lang="tr-TR" sz="1200" b="0" i="0" u="none" strike="noStrike" kern="1200" baseline="0" dirty="0" smtClean="0">
+                <a:solidFill>
+                  <a:schemeClr val="tx1"/>
+                </a:solidFill>
+                <a:latin typeface="+mn-lt"/>
+                <a:ea typeface="+mn-ea"/>
+                <a:cs typeface="+mn-cs"/>
+              </a:rPr>
+              <a:t>, </a:t>
+            </a:r>
+            <a:r>
+              <a:rPr lang="tr-TR" sz="1200" b="0" i="0" u="none" strike="noStrike" kern="1200" baseline="0" dirty="0" err="1" smtClean="0">
+                <a:solidFill>
+                  <a:schemeClr val="tx1"/>
+                </a:solidFill>
+                <a:latin typeface="+mn-lt"/>
+                <a:ea typeface="+mn-ea"/>
+                <a:cs typeface="+mn-cs"/>
+              </a:rPr>
+              <a:t>using</a:t>
+            </a:r>
+            <a:r>
+              <a:rPr lang="tr-TR" sz="1200" b="0" i="0" u="none" strike="noStrike" kern="1200" baseline="0" dirty="0" smtClean="0">
+                <a:solidFill>
+                  <a:schemeClr val="tx1"/>
+                </a:solidFill>
+                <a:latin typeface="+mn-lt"/>
+                <a:ea typeface="+mn-ea"/>
+                <a:cs typeface="+mn-cs"/>
+              </a:rPr>
+              <a:t> gamma </a:t>
+            </a:r>
+            <a:r>
+              <a:rPr lang="tr-TR" sz="1200" b="0" i="0" u="none" strike="noStrike" kern="1200" baseline="0" dirty="0" err="1" smtClean="0">
+                <a:solidFill>
+                  <a:schemeClr val="tx1"/>
+                </a:solidFill>
+                <a:latin typeface="+mn-lt"/>
+                <a:ea typeface="+mn-ea"/>
+                <a:cs typeface="+mn-cs"/>
+              </a:rPr>
+              <a:t>outputs</a:t>
+            </a:r>
+            <a:r>
+              <a:rPr lang="tr-TR" sz="1200" b="0" i="0" u="none" strike="noStrike" kern="1200" baseline="0" dirty="0" smtClean="0">
+                <a:solidFill>
+                  <a:schemeClr val="tx1"/>
+                </a:solidFill>
+                <a:latin typeface="+mn-lt"/>
+                <a:ea typeface="+mn-ea"/>
+                <a:cs typeface="+mn-cs"/>
+              </a:rPr>
+              <a:t>, delta </a:t>
+            </a:r>
+            <a:r>
+              <a:rPr lang="tr-TR" sz="1200" b="0" i="0" u="none" strike="noStrike" kern="1200" baseline="0" dirty="0" err="1" smtClean="0">
+                <a:solidFill>
+                  <a:schemeClr val="tx1"/>
+                </a:solidFill>
+                <a:latin typeface="+mn-lt"/>
+                <a:ea typeface="+mn-ea"/>
+                <a:cs typeface="+mn-cs"/>
+              </a:rPr>
+              <a:t>outputs</a:t>
+            </a:r>
+            <a:r>
+              <a:rPr lang="tr-TR" sz="1200" b="0" i="0" u="none" strike="noStrike" kern="1200" baseline="0" dirty="0" smtClean="0">
+                <a:solidFill>
+                  <a:schemeClr val="tx1"/>
+                </a:solidFill>
+                <a:latin typeface="+mn-lt"/>
+                <a:ea typeface="+mn-ea"/>
+                <a:cs typeface="+mn-cs"/>
+              </a:rPr>
+              <a:t> </a:t>
+            </a:r>
+            <a:r>
+              <a:rPr lang="tr-TR" sz="1200" b="0" i="0" u="none" strike="noStrike" kern="1200" baseline="0" dirty="0" err="1" smtClean="0">
+                <a:solidFill>
+                  <a:schemeClr val="tx1"/>
+                </a:solidFill>
+                <a:latin typeface="+mn-lt"/>
+                <a:ea typeface="+mn-ea"/>
+                <a:cs typeface="+mn-cs"/>
+              </a:rPr>
+              <a:t>will</a:t>
+            </a:r>
+            <a:r>
+              <a:rPr lang="tr-TR" sz="1200" b="0" i="0" u="none" strike="noStrike" kern="1200" baseline="0" dirty="0" smtClean="0">
+                <a:solidFill>
+                  <a:schemeClr val="tx1"/>
+                </a:solidFill>
+                <a:latin typeface="+mn-lt"/>
+                <a:ea typeface="+mn-ea"/>
+                <a:cs typeface="+mn-cs"/>
+              </a:rPr>
+              <a:t> be </a:t>
+            </a:r>
+            <a:r>
+              <a:rPr lang="tr-TR" sz="1200" b="0" i="0" u="none" strike="noStrike" kern="1200" baseline="0" dirty="0" err="1" smtClean="0">
+                <a:solidFill>
+                  <a:schemeClr val="tx1"/>
+                </a:solidFill>
+                <a:latin typeface="+mn-lt"/>
+                <a:ea typeface="+mn-ea"/>
+                <a:cs typeface="+mn-cs"/>
+              </a:rPr>
+              <a:t>created</a:t>
+            </a:r>
+            <a:r>
+              <a:rPr lang="tr-TR" sz="1200" b="0" i="0" u="none" strike="noStrike" kern="1200" baseline="0" dirty="0" smtClean="0">
+                <a:solidFill>
+                  <a:schemeClr val="tx1"/>
+                </a:solidFill>
                 <a:latin typeface="+mn-lt"/>
                 <a:ea typeface="+mn-ea"/>
                 <a:cs typeface="+mn-cs"/>
               </a:rPr>
               <a:t>.</a:t>
             </a:r>
-            <a:endParaRPr lang="tr-TR" dirty="0"/>
+          </a:p>
+          <a:p>
+            <a:endParaRPr lang="tr-TR" sz="1200" b="0" i="0" u="none" strike="noStrike" kern="1200" baseline="0" dirty="0" smtClean="0">
+              <a:solidFill>
+                <a:schemeClr val="tx1"/>
+              </a:solidFill>
+              <a:latin typeface="+mn-lt"/>
+              <a:ea typeface="+mn-ea"/>
+              <a:cs typeface="+mn-cs"/>
+            </a:endParaRPr>
+          </a:p>
+          <a:p>
+            <a:endParaRPr lang="tr-TR" sz="1200" b="0" i="0" u="none" strike="noStrike" kern="1200" baseline="0" dirty="0" smtClean="0">
+              <a:solidFill>
+                <a:schemeClr val="tx1"/>
+              </a:solidFill>
+              <a:latin typeface="+mn-lt"/>
+              <a:ea typeface="+mn-ea"/>
+              <a:cs typeface="+mn-cs"/>
+            </a:endParaRPr>
+          </a:p>
+          <a:p>
+            <a:r>
+              <a:rPr lang="tr-TR" sz="1200" b="0" i="0" u="none" strike="noStrike" kern="1200" baseline="0" dirty="0" smtClean="0">
+                <a:solidFill>
+                  <a:schemeClr val="tx1"/>
+                </a:solidFill>
+                <a:latin typeface="+mn-lt"/>
+                <a:ea typeface="+mn-ea"/>
+                <a:cs typeface="+mn-cs"/>
+              </a:rPr>
+              <a:t>G</a:t>
+            </a:r>
+            <a:r>
+              <a:rPr lang="en-US" sz="1200" b="0" i="0" u="none" strike="noStrike" kern="1200" baseline="0" dirty="0" smtClean="0">
+                <a:solidFill>
+                  <a:schemeClr val="tx1"/>
+                </a:solidFill>
+                <a:latin typeface="+mn-lt"/>
+                <a:ea typeface="+mn-ea"/>
+                <a:cs typeface="+mn-cs"/>
+              </a:rPr>
+              <a:t>(ABBA, 1, t, s) = </a:t>
+            </a:r>
+            <a:r>
+              <a:rPr lang="tr-TR" sz="1200" b="0" i="0" u="none" strike="noStrike" kern="1200" baseline="0" dirty="0" smtClean="0">
+                <a:solidFill>
+                  <a:schemeClr val="tx1"/>
+                </a:solidFill>
+                <a:latin typeface="+mn-lt"/>
+                <a:ea typeface="+mn-ea"/>
+                <a:cs typeface="+mn-cs"/>
+              </a:rPr>
+              <a:t>ALPHA</a:t>
+            </a:r>
+            <a:r>
+              <a:rPr lang="en-US" sz="1200" b="0" i="0" u="none" strike="noStrike" kern="1200" baseline="0" dirty="0" smtClean="0">
+                <a:solidFill>
+                  <a:schemeClr val="tx1"/>
+                </a:solidFill>
+                <a:latin typeface="+mn-lt"/>
+                <a:ea typeface="+mn-ea"/>
+                <a:cs typeface="+mn-cs"/>
+              </a:rPr>
+              <a:t>(ABBA, 1, t)</a:t>
+            </a:r>
+            <a:r>
+              <a:rPr lang="tr-TR" sz="1200" b="0" i="0" u="none" strike="noStrike" kern="1200" baseline="0" dirty="0" smtClean="0">
+                <a:solidFill>
+                  <a:schemeClr val="tx1"/>
+                </a:solidFill>
+                <a:latin typeface="+mn-lt"/>
+                <a:ea typeface="+mn-ea"/>
+                <a:cs typeface="+mn-cs"/>
+              </a:rPr>
+              <a:t>*</a:t>
+            </a:r>
+            <a:r>
+              <a:rPr lang="en-US" sz="1200" b="0" i="0" u="none" strike="noStrike" kern="1200" baseline="0" dirty="0" smtClean="0">
+                <a:solidFill>
+                  <a:schemeClr val="tx1"/>
+                </a:solidFill>
+                <a:latin typeface="+mn-lt"/>
+                <a:ea typeface="+mn-ea"/>
+                <a:cs typeface="+mn-cs"/>
+              </a:rPr>
+              <a:t>go(t, s)</a:t>
+            </a:r>
+            <a:r>
+              <a:rPr lang="tr-TR" sz="1200" b="0" i="0" u="none" strike="noStrike" kern="1200" baseline="0" dirty="0" smtClean="0">
+                <a:solidFill>
+                  <a:schemeClr val="tx1"/>
+                </a:solidFill>
+                <a:latin typeface="+mn-lt"/>
+                <a:ea typeface="+mn-ea"/>
+                <a:cs typeface="+mn-cs"/>
+              </a:rPr>
+              <a:t>*</a:t>
+            </a:r>
+            <a:r>
+              <a:rPr lang="en-US" sz="1200" b="0" i="0" u="none" strike="noStrike" kern="1200" baseline="0" dirty="0" smtClean="0">
+                <a:solidFill>
+                  <a:schemeClr val="tx1"/>
+                </a:solidFill>
+                <a:latin typeface="+mn-lt"/>
+                <a:ea typeface="+mn-ea"/>
+                <a:cs typeface="+mn-cs"/>
+              </a:rPr>
+              <a:t>out(</a:t>
+            </a:r>
+            <a:r>
+              <a:rPr lang="en-US" sz="1200" b="0" i="0" u="none" strike="noStrike" kern="1200" baseline="0" dirty="0" err="1" smtClean="0">
+                <a:solidFill>
+                  <a:schemeClr val="tx1"/>
+                </a:solidFill>
+                <a:latin typeface="+mn-lt"/>
+                <a:ea typeface="+mn-ea"/>
+                <a:cs typeface="+mn-cs"/>
+              </a:rPr>
+              <a:t>s,B</a:t>
+            </a:r>
+            <a:r>
+              <a:rPr lang="en-US" sz="1200" b="0" i="0" u="none" strike="noStrike" kern="1200" baseline="0" dirty="0" smtClean="0">
+                <a:solidFill>
+                  <a:schemeClr val="tx1"/>
+                </a:solidFill>
+                <a:latin typeface="+mn-lt"/>
+                <a:ea typeface="+mn-ea"/>
+                <a:cs typeface="+mn-cs"/>
+              </a:rPr>
+              <a:t>)</a:t>
+            </a:r>
+            <a:r>
+              <a:rPr lang="tr-TR" sz="1200" b="0" i="0" u="none" strike="noStrike" kern="1200" baseline="0" dirty="0" smtClean="0">
+                <a:solidFill>
+                  <a:schemeClr val="tx1"/>
+                </a:solidFill>
+                <a:latin typeface="+mn-lt"/>
+                <a:ea typeface="+mn-ea"/>
+                <a:cs typeface="+mn-cs"/>
+              </a:rPr>
+              <a:t>*BETA</a:t>
+            </a:r>
+            <a:r>
+              <a:rPr lang="en-US" sz="1200" b="0" i="0" u="none" strike="noStrike" kern="1200" baseline="0" dirty="0" smtClean="0">
+                <a:solidFill>
+                  <a:schemeClr val="tx1"/>
+                </a:solidFill>
+                <a:latin typeface="+mn-lt"/>
+                <a:ea typeface="+mn-ea"/>
+                <a:cs typeface="+mn-cs"/>
+              </a:rPr>
+              <a:t>(ABBA, 2, s)</a:t>
+            </a:r>
+            <a:r>
+              <a:rPr lang="tr-TR" sz="1200" b="0" i="0" u="none" strike="noStrike" kern="1200" baseline="0" dirty="0" smtClean="0">
+                <a:solidFill>
+                  <a:schemeClr val="tx1"/>
+                </a:solidFill>
+                <a:latin typeface="+mn-lt"/>
+                <a:ea typeface="+mn-ea"/>
+                <a:cs typeface="+mn-cs"/>
+              </a:rPr>
+              <a:t>/</a:t>
+            </a:r>
+            <a:r>
+              <a:rPr lang="tr-TR" sz="1200" b="0" i="0" u="none" strike="noStrike" kern="1200" baseline="0" dirty="0" err="1" smtClean="0">
+                <a:solidFill>
+                  <a:schemeClr val="tx1"/>
+                </a:solidFill>
+                <a:latin typeface="+mn-lt"/>
+                <a:ea typeface="+mn-ea"/>
+                <a:cs typeface="+mn-cs"/>
+              </a:rPr>
+              <a:t>Prh</a:t>
+            </a:r>
+            <a:r>
+              <a:rPr lang="tr-TR" sz="1200" b="0" i="0" u="none" strike="noStrike" kern="1200" baseline="0" dirty="0" smtClean="0">
+                <a:solidFill>
+                  <a:schemeClr val="tx1"/>
+                </a:solidFill>
+                <a:latin typeface="+mn-lt"/>
+                <a:ea typeface="+mn-ea"/>
+                <a:cs typeface="+mn-cs"/>
+              </a:rPr>
+              <a:t>(ABBA) = SOME</a:t>
+            </a:r>
+          </a:p>
+          <a:p>
+            <a:endParaRPr lang="tr-TR" sz="1200" b="0" i="0" u="none" strike="noStrike" kern="1200" baseline="0" dirty="0" smtClean="0">
+              <a:solidFill>
+                <a:schemeClr val="tx1"/>
+              </a:solidFill>
+              <a:latin typeface="+mn-lt"/>
+              <a:ea typeface="+mn-ea"/>
+              <a:cs typeface="+mn-cs"/>
+            </a:endParaRPr>
           </a:p>
         </p:txBody>
       </p:sp>
@@ -1560,6 +3555,1286 @@
           <a:p>
             <a:fld id="{14B6652E-BE16-4600-ADC5-2322934EA743}" type="slidenum">
               <a:rPr lang="tr-TR" smtClean="0"/>
+              <a:t>13</a:t>
+            </a:fld>
+            <a:endParaRPr lang="tr-TR" dirty="0"/>
+          </a:p>
+        </p:txBody>
+      </p:sp>
+    </p:spTree>
+    <p:extLst>
+      <p:ext uri="{BB962C8B-B14F-4D97-AF65-F5344CB8AC3E}">
+        <p14:creationId xmlns:p14="http://schemas.microsoft.com/office/powerpoint/2010/main" val="1091913074"/>
+      </p:ext>
+    </p:extLst>
+  </p:cSld>
+  <p:clrMapOvr>
+    <a:masterClrMapping/>
+  </p:clrMapOvr>
+</p:notes>
+</file>
+
+<file path=ppt/notesSlides/notesSlide14.xml><?xml version="1.0" encoding="utf-8"?>
+<p:notes xmlns:a="http://schemas.openxmlformats.org/drawingml/2006/main" xmlns:r="http://schemas.openxmlformats.org/officeDocument/2006/relationships" xmlns:p="http://schemas.openxmlformats.org/presentationml/2006/main">
+  <p:cSld>
+    <p:spTree>
+      <p:nvGrpSpPr>
+        <p:cNvPr id="1" name=""/>
+        <p:cNvGrpSpPr/>
+        <p:nvPr/>
+      </p:nvGrpSpPr>
+      <p:grpSpPr>
+        <a:xfrm>
+          <a:off x="0" y="0"/>
+          <a:ext cx="0" cy="0"/>
+          <a:chOff x="0" y="0"/>
+          <a:chExt cx="0" cy="0"/>
+        </a:xfrm>
+      </p:grpSpPr>
+      <p:sp>
+        <p:nvSpPr>
+          <p:cNvPr id="2" name="Slayt Görüntüsü Yer Tutucusu 1"/>
+          <p:cNvSpPr>
+            <a:spLocks noGrp="1" noRot="1" noChangeAspect="1"/>
+          </p:cNvSpPr>
+          <p:nvPr>
+            <p:ph type="sldImg"/>
+          </p:nvPr>
+        </p:nvSpPr>
+        <p:spPr/>
+      </p:sp>
+      <p:sp>
+        <p:nvSpPr>
+          <p:cNvPr id="3" name="Not Yer Tutucusu 2"/>
+          <p:cNvSpPr>
+            <a:spLocks noGrp="1"/>
+          </p:cNvSpPr>
+          <p:nvPr>
+            <p:ph type="body" idx="1"/>
+          </p:nvPr>
+        </p:nvSpPr>
+        <p:spPr/>
+        <p:txBody>
+          <a:bodyPr/>
+          <a:lstStyle/>
+          <a:p>
+            <a:r>
+              <a:rPr lang="tr-TR" dirty="0" smtClean="0"/>
+              <a:t>Delta</a:t>
+            </a:r>
+            <a:r>
+              <a:rPr lang="tr-TR" baseline="0" dirty="0" smtClean="0"/>
+              <a:t> </a:t>
+            </a:r>
+            <a:r>
+              <a:rPr lang="tr-TR" baseline="0" dirty="0" err="1" smtClean="0"/>
+              <a:t>algorithm</a:t>
+            </a:r>
+            <a:r>
+              <a:rPr lang="tr-TR" baseline="0" dirty="0" smtClean="0"/>
+              <a:t> is </a:t>
+            </a:r>
+            <a:r>
+              <a:rPr lang="tr-TR" baseline="0" dirty="0" err="1" smtClean="0"/>
+              <a:t>used</a:t>
+            </a:r>
+            <a:r>
+              <a:rPr lang="tr-TR" baseline="0" dirty="0" smtClean="0"/>
+              <a:t> </a:t>
+            </a:r>
+            <a:r>
+              <a:rPr lang="tr-TR" baseline="0" dirty="0" err="1" smtClean="0"/>
+              <a:t>to</a:t>
+            </a:r>
+            <a:r>
+              <a:rPr lang="tr-TR" baseline="0" dirty="0" smtClean="0"/>
+              <a:t> </a:t>
+            </a:r>
+            <a:r>
+              <a:rPr lang="tr-TR" baseline="0" dirty="0" err="1" smtClean="0"/>
+              <a:t>find</a:t>
+            </a:r>
+            <a:r>
+              <a:rPr lang="tr-TR" baseline="0" dirty="0" smtClean="0"/>
+              <a:t> </a:t>
+            </a:r>
+            <a:r>
+              <a:rPr lang="tr-TR" baseline="0" dirty="0" err="1" smtClean="0"/>
+              <a:t>emission</a:t>
+            </a:r>
+            <a:r>
+              <a:rPr lang="tr-TR" baseline="0" dirty="0" smtClean="0"/>
+              <a:t> </a:t>
+            </a:r>
+            <a:r>
+              <a:rPr lang="tr-TR" baseline="0" dirty="0" err="1" smtClean="0"/>
+              <a:t>probabilities</a:t>
+            </a:r>
+            <a:r>
+              <a:rPr lang="tr-TR" baseline="0" dirty="0" smtClean="0"/>
+              <a:t>. </a:t>
+            </a:r>
+            <a:r>
+              <a:rPr lang="tr-TR" baseline="0" dirty="0" err="1" smtClean="0"/>
+              <a:t>For</a:t>
+            </a:r>
+            <a:r>
+              <a:rPr lang="tr-TR" baseline="0" dirty="0" smtClean="0"/>
+              <a:t> </a:t>
+            </a:r>
+            <a:r>
+              <a:rPr lang="tr-TR" baseline="0" dirty="0" err="1" smtClean="0"/>
+              <a:t>this</a:t>
+            </a:r>
+            <a:r>
+              <a:rPr lang="tr-TR" baseline="0" dirty="0" smtClean="0"/>
+              <a:t> </a:t>
+            </a:r>
+            <a:r>
+              <a:rPr lang="tr-TR" baseline="0" dirty="0" err="1" smtClean="0"/>
+              <a:t>example</a:t>
+            </a:r>
+            <a:r>
+              <a:rPr lang="tr-TR" baseline="0" dirty="0" smtClean="0"/>
+              <a:t> </a:t>
+            </a:r>
+            <a:r>
+              <a:rPr lang="tr-TR" baseline="0" dirty="0" err="1" smtClean="0"/>
+              <a:t>also</a:t>
+            </a:r>
+            <a:r>
+              <a:rPr lang="tr-TR" baseline="0" dirty="0" smtClean="0"/>
+              <a:t>, </a:t>
+            </a:r>
+            <a:r>
+              <a:rPr lang="tr-TR" baseline="0" dirty="0" err="1" smtClean="0"/>
+              <a:t>when</a:t>
+            </a:r>
+            <a:r>
+              <a:rPr lang="tr-TR" baseline="0" dirty="0" smtClean="0"/>
+              <a:t> </a:t>
+            </a:r>
+            <a:r>
+              <a:rPr lang="tr-TR" baseline="0" dirty="0" err="1" smtClean="0"/>
+              <a:t>two</a:t>
+            </a:r>
+            <a:r>
+              <a:rPr lang="tr-TR" baseline="0" dirty="0" smtClean="0"/>
+              <a:t> gamma </a:t>
+            </a:r>
+            <a:r>
+              <a:rPr lang="tr-TR" baseline="0" dirty="0" err="1" smtClean="0"/>
+              <a:t>outputs</a:t>
+            </a:r>
+            <a:r>
+              <a:rPr lang="tr-TR" baseline="0" dirty="0" smtClean="0"/>
+              <a:t> </a:t>
+            </a:r>
+            <a:r>
+              <a:rPr lang="tr-TR" baseline="0" dirty="0" err="1" smtClean="0"/>
+              <a:t>thats</a:t>
+            </a:r>
+            <a:r>
+              <a:rPr lang="tr-TR" baseline="0" dirty="0" smtClean="0"/>
+              <a:t> </a:t>
+            </a:r>
+            <a:r>
+              <a:rPr lang="tr-TR" baseline="0" dirty="0" err="1" smtClean="0"/>
+              <a:t>are</a:t>
+            </a:r>
+            <a:r>
+              <a:rPr lang="tr-TR" baseline="0" dirty="0" smtClean="0"/>
+              <a:t> in </a:t>
+            </a:r>
+            <a:r>
+              <a:rPr lang="tr-TR" baseline="0" dirty="0" err="1" smtClean="0"/>
+              <a:t>same</a:t>
+            </a:r>
+            <a:r>
+              <a:rPr lang="tr-TR" baseline="0" dirty="0" smtClean="0"/>
+              <a:t> time </a:t>
+            </a:r>
+            <a:r>
+              <a:rPr lang="tr-TR" baseline="0" dirty="0" err="1" smtClean="0"/>
+              <a:t>sequnce</a:t>
+            </a:r>
+            <a:r>
+              <a:rPr lang="tr-TR" baseline="0" dirty="0" smtClean="0"/>
+              <a:t>, </a:t>
+            </a:r>
+            <a:r>
+              <a:rPr lang="tr-TR" baseline="0" dirty="0" err="1" smtClean="0"/>
+              <a:t>will</a:t>
+            </a:r>
+            <a:r>
+              <a:rPr lang="tr-TR" baseline="0" dirty="0" smtClean="0"/>
+              <a:t> be </a:t>
+            </a:r>
+            <a:r>
+              <a:rPr lang="tr-TR" baseline="0" dirty="0" err="1" smtClean="0"/>
+              <a:t>summed</a:t>
+            </a:r>
+            <a:r>
+              <a:rPr lang="tr-TR" baseline="0" dirty="0" smtClean="0"/>
+              <a:t> </a:t>
+            </a:r>
+            <a:r>
+              <a:rPr lang="tr-TR" baseline="0" dirty="0" err="1" smtClean="0"/>
+              <a:t>and</a:t>
+            </a:r>
+            <a:r>
+              <a:rPr lang="tr-TR" baseline="0" dirty="0" smtClean="0"/>
+              <a:t> </a:t>
+            </a:r>
+            <a:r>
+              <a:rPr lang="tr-TR" baseline="0" dirty="0" err="1" smtClean="0"/>
+              <a:t>more</a:t>
+            </a:r>
+            <a:r>
+              <a:rPr lang="tr-TR" baseline="0" dirty="0" smtClean="0"/>
+              <a:t> </a:t>
+            </a:r>
+            <a:r>
+              <a:rPr lang="tr-TR" baseline="0" dirty="0" err="1" smtClean="0"/>
+              <a:t>consistent</a:t>
+            </a:r>
+            <a:r>
+              <a:rPr lang="tr-TR" baseline="0" dirty="0" smtClean="0"/>
+              <a:t> </a:t>
+            </a:r>
+            <a:r>
+              <a:rPr lang="tr-TR" baseline="0" dirty="0" err="1" smtClean="0"/>
+              <a:t>output</a:t>
+            </a:r>
+            <a:r>
+              <a:rPr lang="tr-TR" baseline="0" dirty="0" smtClean="0"/>
+              <a:t> </a:t>
+            </a:r>
+            <a:r>
+              <a:rPr lang="tr-TR" baseline="0" dirty="0" err="1" smtClean="0"/>
+              <a:t>will</a:t>
+            </a:r>
+            <a:r>
+              <a:rPr lang="tr-TR" baseline="0" dirty="0" smtClean="0"/>
+              <a:t> be </a:t>
+            </a:r>
+            <a:r>
+              <a:rPr lang="tr-TR" baseline="0" dirty="0" err="1" smtClean="0"/>
+              <a:t>created</a:t>
+            </a:r>
+            <a:r>
+              <a:rPr lang="tr-TR" baseline="0" dirty="0" smtClean="0"/>
+              <a:t>. </a:t>
+            </a:r>
+            <a:r>
+              <a:rPr lang="tr-TR" baseline="0" dirty="0" err="1" smtClean="0"/>
+              <a:t>This</a:t>
+            </a:r>
+            <a:r>
+              <a:rPr lang="tr-TR" baseline="0" dirty="0" smtClean="0"/>
+              <a:t> </a:t>
+            </a:r>
+            <a:r>
+              <a:rPr lang="tr-TR" baseline="0" dirty="0" err="1" smtClean="0"/>
+              <a:t>output</a:t>
+            </a:r>
+            <a:r>
+              <a:rPr lang="tr-TR" baseline="0" dirty="0" smtClean="0"/>
+              <a:t> , is </a:t>
+            </a:r>
+            <a:r>
+              <a:rPr lang="tr-TR" baseline="0" dirty="0" err="1" smtClean="0"/>
+              <a:t>advanced</a:t>
+            </a:r>
+            <a:r>
+              <a:rPr lang="tr-TR" baseline="0" dirty="0" smtClean="0"/>
+              <a:t> of gamma </a:t>
+            </a:r>
+            <a:r>
+              <a:rPr lang="tr-TR" baseline="0" dirty="0" err="1" smtClean="0"/>
+              <a:t>outputs</a:t>
+            </a:r>
+            <a:r>
+              <a:rPr lang="tr-TR" baseline="0" dirty="0" smtClean="0"/>
+              <a:t> </a:t>
+            </a:r>
+            <a:r>
+              <a:rPr lang="tr-TR" baseline="0" dirty="0" err="1" smtClean="0"/>
+              <a:t>and</a:t>
+            </a:r>
+            <a:r>
+              <a:rPr lang="tr-TR" baseline="0" dirty="0" smtClean="0"/>
+              <a:t> </a:t>
+            </a:r>
+            <a:r>
+              <a:rPr lang="tr-TR" baseline="0" dirty="0" err="1" smtClean="0"/>
+              <a:t>will</a:t>
+            </a:r>
+            <a:r>
+              <a:rPr lang="tr-TR" baseline="0" dirty="0" smtClean="0"/>
+              <a:t> </a:t>
+            </a:r>
+            <a:r>
+              <a:rPr lang="tr-TR" baseline="0" dirty="0" err="1" smtClean="0"/>
+              <a:t>give</a:t>
+            </a:r>
+            <a:r>
+              <a:rPr lang="tr-TR" baseline="0" dirty="0" smtClean="0"/>
+              <a:t> </a:t>
+            </a:r>
+            <a:r>
+              <a:rPr lang="tr-TR" baseline="0" dirty="0" err="1" smtClean="0"/>
+              <a:t>more</a:t>
+            </a:r>
+            <a:r>
+              <a:rPr lang="tr-TR" baseline="0" dirty="0" smtClean="0"/>
+              <a:t> </a:t>
+            </a:r>
+            <a:r>
+              <a:rPr lang="tr-TR" baseline="0" dirty="0" err="1" smtClean="0"/>
+              <a:t>consistent</a:t>
+            </a:r>
+            <a:r>
+              <a:rPr lang="tr-TR" baseline="0" dirty="0" smtClean="0"/>
+              <a:t> </a:t>
+            </a:r>
+            <a:r>
+              <a:rPr lang="tr-TR" baseline="0" dirty="0" err="1" smtClean="0"/>
+              <a:t>emission</a:t>
+            </a:r>
+            <a:r>
+              <a:rPr lang="tr-TR" baseline="0" dirty="0" smtClean="0"/>
+              <a:t> </a:t>
+            </a:r>
+            <a:r>
+              <a:rPr lang="tr-TR" baseline="0" dirty="0" err="1" smtClean="0"/>
+              <a:t>probabilities</a:t>
+            </a:r>
+            <a:r>
+              <a:rPr lang="tr-TR" baseline="0" dirty="0" smtClean="0"/>
+              <a:t>.  </a:t>
+            </a:r>
+          </a:p>
+          <a:p>
+            <a:endParaRPr lang="tr-TR" baseline="0" dirty="0" smtClean="0"/>
+          </a:p>
+          <a:p>
+            <a:r>
+              <a:rPr lang="tr-TR" baseline="0" dirty="0" smtClean="0"/>
+              <a:t> Del</a:t>
+            </a:r>
+            <a:r>
+              <a:rPr lang="tr-TR" sz="1200" b="0" i="0" u="none" strike="noStrike" kern="1200" baseline="0" dirty="0" smtClean="0">
+                <a:solidFill>
+                  <a:schemeClr val="tx1"/>
+                </a:solidFill>
+                <a:latin typeface="+mn-lt"/>
+                <a:ea typeface="+mn-ea"/>
+                <a:cs typeface="+mn-cs"/>
+              </a:rPr>
+              <a:t>(BAB, 1, s) = </a:t>
+            </a:r>
+            <a:r>
+              <a:rPr lang="tr-TR" sz="1200" b="0" i="0" u="none" strike="noStrike" kern="1200" baseline="0" dirty="0" err="1" smtClean="0">
+                <a:solidFill>
+                  <a:schemeClr val="tx1"/>
+                </a:solidFill>
+                <a:latin typeface="+mn-lt"/>
+                <a:ea typeface="+mn-ea"/>
+                <a:cs typeface="+mn-cs"/>
+              </a:rPr>
+              <a:t>Ga</a:t>
+            </a:r>
+            <a:r>
+              <a:rPr lang="pl-PL" sz="1200" b="0" i="0" u="none" strike="noStrike" kern="1200" baseline="0" dirty="0" smtClean="0">
+                <a:solidFill>
+                  <a:schemeClr val="tx1"/>
+                </a:solidFill>
+                <a:latin typeface="+mn-lt"/>
+                <a:ea typeface="+mn-ea"/>
+                <a:cs typeface="+mn-cs"/>
+              </a:rPr>
+              <a:t> (</a:t>
+            </a:r>
+            <a:r>
+              <a:rPr lang="tr-TR" sz="1200" b="0" i="0" u="none" strike="noStrike" kern="1200" baseline="0" dirty="0" smtClean="0">
+                <a:solidFill>
+                  <a:schemeClr val="tx1"/>
+                </a:solidFill>
+                <a:latin typeface="+mn-lt"/>
+                <a:ea typeface="+mn-ea"/>
+                <a:cs typeface="+mn-cs"/>
+              </a:rPr>
+              <a:t>BAB</a:t>
+            </a:r>
+            <a:r>
+              <a:rPr lang="pl-PL" sz="1200" b="0" i="0" u="none" strike="noStrike" kern="1200" baseline="0" dirty="0" smtClean="0">
+                <a:solidFill>
+                  <a:schemeClr val="tx1"/>
+                </a:solidFill>
+                <a:latin typeface="+mn-lt"/>
+                <a:ea typeface="+mn-ea"/>
+                <a:cs typeface="+mn-cs"/>
+              </a:rPr>
+              <a:t>, </a:t>
+            </a:r>
+            <a:r>
+              <a:rPr lang="tr-TR" sz="1200" b="0" i="0" u="none" strike="noStrike" kern="1200" baseline="0" dirty="0" smtClean="0">
+                <a:solidFill>
+                  <a:schemeClr val="tx1"/>
+                </a:solidFill>
+                <a:latin typeface="+mn-lt"/>
+                <a:ea typeface="+mn-ea"/>
+                <a:cs typeface="+mn-cs"/>
+              </a:rPr>
+              <a:t>1</a:t>
+            </a:r>
+            <a:r>
+              <a:rPr lang="pl-PL" sz="1200" b="0" i="0" u="none" strike="noStrike" kern="1200" baseline="0" dirty="0" smtClean="0">
+                <a:solidFill>
+                  <a:schemeClr val="tx1"/>
+                </a:solidFill>
+                <a:latin typeface="+mn-lt"/>
+                <a:ea typeface="+mn-ea"/>
+                <a:cs typeface="+mn-cs"/>
+              </a:rPr>
+              <a:t>, s, </a:t>
+            </a:r>
+            <a:r>
+              <a:rPr lang="tr-TR" sz="1200" b="0" i="0" u="none" strike="noStrike" kern="1200" baseline="0" dirty="0" smtClean="0">
+                <a:solidFill>
+                  <a:schemeClr val="tx1"/>
+                </a:solidFill>
+                <a:latin typeface="+mn-lt"/>
+                <a:ea typeface="+mn-ea"/>
+                <a:cs typeface="+mn-cs"/>
+              </a:rPr>
+              <a:t>s</a:t>
+            </a:r>
+            <a:r>
+              <a:rPr lang="pl-PL" sz="1200" b="0" i="0" u="none" strike="noStrike" kern="1200" baseline="0" dirty="0" smtClean="0">
+                <a:solidFill>
+                  <a:schemeClr val="tx1"/>
+                </a:solidFill>
+                <a:latin typeface="+mn-lt"/>
+                <a:ea typeface="+mn-ea"/>
+                <a:cs typeface="+mn-cs"/>
+              </a:rPr>
+              <a:t>)</a:t>
+            </a:r>
+            <a:r>
+              <a:rPr lang="tr-TR" sz="1200" b="0" i="0" u="none" strike="noStrike" kern="1200" baseline="0" dirty="0" smtClean="0">
+                <a:solidFill>
+                  <a:schemeClr val="tx1"/>
+                </a:solidFill>
+                <a:latin typeface="+mn-lt"/>
+                <a:ea typeface="+mn-ea"/>
+                <a:cs typeface="+mn-cs"/>
+              </a:rPr>
+              <a:t>+</a:t>
+            </a:r>
+            <a:r>
+              <a:rPr lang="tr-TR" sz="1200" b="0" i="0" u="none" strike="noStrike" kern="1200" baseline="0" dirty="0" err="1" smtClean="0">
+                <a:solidFill>
+                  <a:schemeClr val="tx1"/>
+                </a:solidFill>
+                <a:latin typeface="+mn-lt"/>
+                <a:ea typeface="+mn-ea"/>
+                <a:cs typeface="+mn-cs"/>
+              </a:rPr>
+              <a:t>Ga</a:t>
+            </a:r>
+            <a:r>
+              <a:rPr lang="pl-PL" sz="1200" b="0" i="0" u="none" strike="noStrike" kern="1200" baseline="0" dirty="0" smtClean="0">
+                <a:solidFill>
+                  <a:schemeClr val="tx1"/>
+                </a:solidFill>
+                <a:latin typeface="+mn-lt"/>
+                <a:ea typeface="+mn-ea"/>
+                <a:cs typeface="+mn-cs"/>
+              </a:rPr>
+              <a:t> (</a:t>
+            </a:r>
+            <a:r>
+              <a:rPr lang="tr-TR" sz="1200" b="0" i="0" u="none" strike="noStrike" kern="1200" baseline="0" dirty="0" smtClean="0">
+                <a:solidFill>
+                  <a:schemeClr val="tx1"/>
+                </a:solidFill>
+                <a:latin typeface="+mn-lt"/>
+                <a:ea typeface="+mn-ea"/>
+                <a:cs typeface="+mn-cs"/>
+              </a:rPr>
+              <a:t>BAB</a:t>
+            </a:r>
+            <a:r>
+              <a:rPr lang="pl-PL" sz="1200" b="0" i="0" u="none" strike="noStrike" kern="1200" baseline="0" dirty="0" smtClean="0">
+                <a:solidFill>
+                  <a:schemeClr val="tx1"/>
+                </a:solidFill>
+                <a:latin typeface="+mn-lt"/>
+                <a:ea typeface="+mn-ea"/>
+                <a:cs typeface="+mn-cs"/>
+              </a:rPr>
+              <a:t>, </a:t>
+            </a:r>
+            <a:r>
+              <a:rPr lang="tr-TR" sz="1200" b="0" i="0" u="none" strike="noStrike" kern="1200" baseline="0" dirty="0" smtClean="0">
+                <a:solidFill>
+                  <a:schemeClr val="tx1"/>
+                </a:solidFill>
+                <a:latin typeface="+mn-lt"/>
+                <a:ea typeface="+mn-ea"/>
+                <a:cs typeface="+mn-cs"/>
+              </a:rPr>
+              <a:t>1</a:t>
+            </a:r>
+            <a:r>
+              <a:rPr lang="pl-PL" sz="1200" b="0" i="0" u="none" strike="noStrike" kern="1200" baseline="0" dirty="0" smtClean="0">
+                <a:solidFill>
+                  <a:schemeClr val="tx1"/>
+                </a:solidFill>
+                <a:latin typeface="+mn-lt"/>
+                <a:ea typeface="+mn-ea"/>
+                <a:cs typeface="+mn-cs"/>
+              </a:rPr>
+              <a:t>, s, </a:t>
+            </a:r>
+            <a:r>
+              <a:rPr lang="tr-TR" sz="1200" b="0" i="0" u="none" strike="noStrike" kern="1200" baseline="0" dirty="0" smtClean="0">
+                <a:solidFill>
+                  <a:schemeClr val="tx1"/>
+                </a:solidFill>
+                <a:latin typeface="+mn-lt"/>
+                <a:ea typeface="+mn-ea"/>
+                <a:cs typeface="+mn-cs"/>
+              </a:rPr>
+              <a:t>t</a:t>
+            </a:r>
+            <a:r>
+              <a:rPr lang="pl-PL" sz="1200" b="0" i="0" u="none" strike="noStrike" kern="1200" baseline="0" dirty="0" smtClean="0">
+                <a:solidFill>
+                  <a:schemeClr val="tx1"/>
+                </a:solidFill>
+                <a:latin typeface="+mn-lt"/>
+                <a:ea typeface="+mn-ea"/>
+                <a:cs typeface="+mn-cs"/>
+              </a:rPr>
+              <a:t>).</a:t>
+            </a:r>
+            <a:endParaRPr lang="tr-TR" dirty="0"/>
+          </a:p>
+        </p:txBody>
+      </p:sp>
+      <p:sp>
+        <p:nvSpPr>
+          <p:cNvPr id="4" name="Slayt Numarası Yer Tutucusu 3"/>
+          <p:cNvSpPr>
+            <a:spLocks noGrp="1"/>
+          </p:cNvSpPr>
+          <p:nvPr>
+            <p:ph type="sldNum" sz="quarter" idx="10"/>
+          </p:nvPr>
+        </p:nvSpPr>
+        <p:spPr/>
+        <p:txBody>
+          <a:bodyPr/>
+          <a:lstStyle/>
+          <a:p>
+            <a:fld id="{14B6652E-BE16-4600-ADC5-2322934EA743}" type="slidenum">
+              <a:rPr lang="tr-TR" smtClean="0"/>
+              <a:t>14</a:t>
+            </a:fld>
+            <a:endParaRPr lang="tr-TR" dirty="0"/>
+          </a:p>
+        </p:txBody>
+      </p:sp>
+    </p:spTree>
+    <p:extLst>
+      <p:ext uri="{BB962C8B-B14F-4D97-AF65-F5344CB8AC3E}">
+        <p14:creationId xmlns:p14="http://schemas.microsoft.com/office/powerpoint/2010/main" val="3584133891"/>
+      </p:ext>
+    </p:extLst>
+  </p:cSld>
+  <p:clrMapOvr>
+    <a:masterClrMapping/>
+  </p:clrMapOvr>
+</p:notes>
+</file>
+
+<file path=ppt/notesSlides/notesSlide15.xml><?xml version="1.0" encoding="utf-8"?>
+<p:notes xmlns:a="http://schemas.openxmlformats.org/drawingml/2006/main" xmlns:r="http://schemas.openxmlformats.org/officeDocument/2006/relationships" xmlns:p="http://schemas.openxmlformats.org/presentationml/2006/main">
+  <p:cSld>
+    <p:spTree>
+      <p:nvGrpSpPr>
+        <p:cNvPr id="1" name=""/>
+        <p:cNvGrpSpPr/>
+        <p:nvPr/>
+      </p:nvGrpSpPr>
+      <p:grpSpPr>
+        <a:xfrm>
+          <a:off x="0" y="0"/>
+          <a:ext cx="0" cy="0"/>
+          <a:chOff x="0" y="0"/>
+          <a:chExt cx="0" cy="0"/>
+        </a:xfrm>
+      </p:grpSpPr>
+      <p:sp>
+        <p:nvSpPr>
+          <p:cNvPr id="2" name="Slayt Görüntüsü Yer Tutucusu 1"/>
+          <p:cNvSpPr>
+            <a:spLocks noGrp="1" noRot="1" noChangeAspect="1"/>
+          </p:cNvSpPr>
+          <p:nvPr>
+            <p:ph type="sldImg"/>
+          </p:nvPr>
+        </p:nvSpPr>
+        <p:spPr/>
+      </p:sp>
+      <p:sp>
+        <p:nvSpPr>
+          <p:cNvPr id="3" name="Not Yer Tutucusu 2"/>
+          <p:cNvSpPr>
+            <a:spLocks noGrp="1"/>
+          </p:cNvSpPr>
+          <p:nvPr>
+            <p:ph type="body" idx="1"/>
+          </p:nvPr>
+        </p:nvSpPr>
+        <p:spPr/>
+        <p:txBody>
+          <a:bodyPr/>
+          <a:lstStyle/>
+          <a:p>
+            <a:r>
+              <a:rPr lang="tr-TR" dirty="0" smtClean="0"/>
+              <a:t>HMM özeti burada</a:t>
+            </a:r>
+            <a:r>
+              <a:rPr lang="tr-TR" baseline="0" dirty="0" smtClean="0"/>
+              <a:t> anlatılıyor. Train ederek </a:t>
+            </a:r>
+            <a:r>
+              <a:rPr lang="tr-TR" baseline="0" dirty="0" err="1" smtClean="0"/>
+              <a:t>hidden</a:t>
+            </a:r>
+            <a:r>
+              <a:rPr lang="tr-TR" baseline="0" dirty="0" smtClean="0"/>
+              <a:t> </a:t>
+            </a:r>
+            <a:r>
+              <a:rPr lang="tr-TR" baseline="0" dirty="0" err="1" smtClean="0"/>
+              <a:t>markov</a:t>
+            </a:r>
+            <a:r>
+              <a:rPr lang="tr-TR" baseline="0" dirty="0" smtClean="0"/>
+              <a:t> modelimiz daha tutarlı hale geldi. </a:t>
+            </a:r>
+            <a:endParaRPr lang="tr-TR" dirty="0"/>
+          </a:p>
+        </p:txBody>
+      </p:sp>
+      <p:sp>
+        <p:nvSpPr>
+          <p:cNvPr id="4" name="Slayt Numarası Yer Tutucusu 3"/>
+          <p:cNvSpPr>
+            <a:spLocks noGrp="1"/>
+          </p:cNvSpPr>
+          <p:nvPr>
+            <p:ph type="sldNum" sz="quarter" idx="10"/>
+          </p:nvPr>
+        </p:nvSpPr>
+        <p:spPr/>
+        <p:txBody>
+          <a:bodyPr/>
+          <a:lstStyle/>
+          <a:p>
+            <a:fld id="{14B6652E-BE16-4600-ADC5-2322934EA743}" type="slidenum">
+              <a:rPr lang="tr-TR" smtClean="0"/>
+              <a:t>15</a:t>
+            </a:fld>
+            <a:endParaRPr lang="tr-TR" dirty="0"/>
+          </a:p>
+        </p:txBody>
+      </p:sp>
+    </p:spTree>
+    <p:extLst>
+      <p:ext uri="{BB962C8B-B14F-4D97-AF65-F5344CB8AC3E}">
+        <p14:creationId xmlns:p14="http://schemas.microsoft.com/office/powerpoint/2010/main" val="505631768"/>
+      </p:ext>
+    </p:extLst>
+  </p:cSld>
+  <p:clrMapOvr>
+    <a:masterClrMapping/>
+  </p:clrMapOvr>
+</p:notes>
+</file>
+
+<file path=ppt/notesSlides/notesSlide16.xml><?xml version="1.0" encoding="utf-8"?>
+<p:notes xmlns:a="http://schemas.openxmlformats.org/drawingml/2006/main" xmlns:r="http://schemas.openxmlformats.org/officeDocument/2006/relationships" xmlns:p="http://schemas.openxmlformats.org/presentationml/2006/main">
+  <p:cSld>
+    <p:spTree>
+      <p:nvGrpSpPr>
+        <p:cNvPr id="1" name=""/>
+        <p:cNvGrpSpPr/>
+        <p:nvPr/>
+      </p:nvGrpSpPr>
+      <p:grpSpPr>
+        <a:xfrm>
+          <a:off x="0" y="0"/>
+          <a:ext cx="0" cy="0"/>
+          <a:chOff x="0" y="0"/>
+          <a:chExt cx="0" cy="0"/>
+        </a:xfrm>
+      </p:grpSpPr>
+      <p:sp>
+        <p:nvSpPr>
+          <p:cNvPr id="2" name="Slayt Görüntüsü Yer Tutucusu 1"/>
+          <p:cNvSpPr>
+            <a:spLocks noGrp="1" noRot="1" noChangeAspect="1"/>
+          </p:cNvSpPr>
+          <p:nvPr>
+            <p:ph type="sldImg"/>
+          </p:nvPr>
+        </p:nvSpPr>
+        <p:spPr/>
+      </p:sp>
+      <p:sp>
+        <p:nvSpPr>
+          <p:cNvPr id="3" name="Not Yer Tutucusu 2"/>
+          <p:cNvSpPr>
+            <a:spLocks noGrp="1"/>
+          </p:cNvSpPr>
+          <p:nvPr>
+            <p:ph type="body" idx="1"/>
+          </p:nvPr>
+        </p:nvSpPr>
+        <p:spPr/>
+        <p:txBody>
+          <a:bodyPr/>
+          <a:lstStyle/>
+          <a:p>
+            <a:r>
+              <a:rPr lang="tr-TR" dirty="0" err="1" smtClean="0"/>
+              <a:t>Viterbi</a:t>
+            </a:r>
+            <a:r>
+              <a:rPr lang="tr-TR" baseline="0" dirty="0" smtClean="0"/>
+              <a:t> </a:t>
+            </a:r>
+            <a:r>
+              <a:rPr lang="tr-TR" baseline="0" dirty="0" err="1" smtClean="0"/>
+              <a:t>algorithm</a:t>
+            </a:r>
+            <a:r>
+              <a:rPr lang="tr-TR" baseline="0" dirty="0" smtClean="0"/>
+              <a:t>, is </a:t>
+            </a:r>
+            <a:r>
+              <a:rPr lang="tr-TR" baseline="0" dirty="0" err="1" smtClean="0"/>
+              <a:t>used</a:t>
+            </a:r>
+            <a:r>
+              <a:rPr lang="tr-TR" baseline="0" dirty="0" smtClean="0"/>
+              <a:t> </a:t>
+            </a:r>
+            <a:r>
+              <a:rPr lang="tr-TR" baseline="0" dirty="0" err="1" smtClean="0"/>
+              <a:t>for</a:t>
+            </a:r>
+            <a:r>
+              <a:rPr lang="tr-TR" baseline="0" dirty="0" smtClean="0"/>
+              <a:t> </a:t>
+            </a:r>
+            <a:r>
+              <a:rPr lang="tr-TR" baseline="0" dirty="0" err="1" smtClean="0"/>
+              <a:t>testing</a:t>
+            </a:r>
+            <a:r>
+              <a:rPr lang="tr-TR" baseline="0" dirty="0" smtClean="0"/>
+              <a:t>. I </a:t>
+            </a:r>
+            <a:r>
+              <a:rPr lang="tr-TR" baseline="0" dirty="0" err="1" smtClean="0"/>
+              <a:t>mean</a:t>
+            </a:r>
+            <a:r>
+              <a:rPr lang="tr-TR" baseline="0" dirty="0" smtClean="0"/>
+              <a:t>, </a:t>
+            </a:r>
+            <a:r>
+              <a:rPr lang="tr-TR" baseline="0" dirty="0" err="1" smtClean="0"/>
+              <a:t>for</a:t>
+            </a:r>
+            <a:r>
+              <a:rPr lang="tr-TR" baseline="0" dirty="0" smtClean="0"/>
+              <a:t> </a:t>
+            </a:r>
+            <a:r>
+              <a:rPr lang="tr-TR" baseline="0" dirty="0" err="1" smtClean="0"/>
+              <a:t>finding</a:t>
+            </a:r>
+            <a:r>
+              <a:rPr lang="tr-TR" baseline="0" dirty="0" smtClean="0"/>
+              <a:t> </a:t>
+            </a:r>
+            <a:r>
+              <a:rPr lang="tr-TR" baseline="0" dirty="0" err="1" smtClean="0"/>
+              <a:t>best</a:t>
+            </a:r>
+            <a:r>
+              <a:rPr lang="tr-TR" baseline="0" dirty="0" smtClean="0"/>
+              <a:t> </a:t>
+            </a:r>
+            <a:r>
+              <a:rPr lang="tr-TR" baseline="0" dirty="0" err="1" smtClean="0"/>
+              <a:t>matched</a:t>
+            </a:r>
+            <a:r>
+              <a:rPr lang="tr-TR" baseline="0" dirty="0" smtClean="0"/>
+              <a:t> </a:t>
+            </a:r>
+            <a:r>
+              <a:rPr lang="tr-TR" baseline="0" dirty="0" err="1" smtClean="0"/>
+              <a:t>observation</a:t>
+            </a:r>
+            <a:r>
+              <a:rPr lang="tr-TR" baseline="0" dirty="0" smtClean="0"/>
+              <a:t> </a:t>
+            </a:r>
+            <a:r>
+              <a:rPr lang="tr-TR" baseline="0" dirty="0" err="1" smtClean="0"/>
+              <a:t>from</a:t>
+            </a:r>
+            <a:r>
+              <a:rPr lang="tr-TR" baseline="0" dirty="0" smtClean="0"/>
+              <a:t> data set. </a:t>
+            </a:r>
+            <a:r>
+              <a:rPr lang="tr-TR" baseline="0" dirty="0" err="1" smtClean="0"/>
+              <a:t>For</a:t>
+            </a:r>
+            <a:r>
+              <a:rPr lang="tr-TR" baseline="0" dirty="0" smtClean="0"/>
+              <a:t> </a:t>
+            </a:r>
+            <a:r>
+              <a:rPr lang="tr-TR" baseline="0" dirty="0" err="1" smtClean="0"/>
+              <a:t>this</a:t>
+            </a:r>
+            <a:r>
+              <a:rPr lang="tr-TR" baseline="0" dirty="0" smtClean="0"/>
+              <a:t> </a:t>
+            </a:r>
+            <a:r>
+              <a:rPr lang="tr-TR" baseline="0" dirty="0" err="1" smtClean="0"/>
+              <a:t>example</a:t>
+            </a:r>
+            <a:r>
+              <a:rPr lang="tr-TR" baseline="0" dirty="0" smtClean="0"/>
+              <a:t>, it </a:t>
+            </a:r>
+            <a:r>
+              <a:rPr lang="tr-TR" baseline="0" dirty="0" err="1" smtClean="0"/>
+              <a:t>find</a:t>
+            </a:r>
+            <a:r>
+              <a:rPr lang="tr-TR" baseline="0" dirty="0" smtClean="0"/>
+              <a:t> </a:t>
+            </a:r>
+            <a:r>
+              <a:rPr lang="tr-TR" baseline="0" dirty="0" err="1" smtClean="0"/>
+              <a:t>states</a:t>
+            </a:r>
+            <a:r>
+              <a:rPr lang="tr-TR" baseline="0" dirty="0" smtClean="0"/>
+              <a:t> of </a:t>
+            </a:r>
+            <a:r>
+              <a:rPr lang="tr-TR" baseline="0" dirty="0" err="1" smtClean="0"/>
+              <a:t>given</a:t>
+            </a:r>
+            <a:r>
+              <a:rPr lang="tr-TR" baseline="0" dirty="0" smtClean="0"/>
+              <a:t> </a:t>
+            </a:r>
+            <a:r>
+              <a:rPr lang="tr-TR" baseline="0" dirty="0" err="1" smtClean="0"/>
+              <a:t>new_test_observation</a:t>
+            </a:r>
+            <a:r>
+              <a:rPr lang="tr-TR" baseline="0" dirty="0" smtClean="0"/>
+              <a:t>. </a:t>
+            </a:r>
+            <a:r>
+              <a:rPr lang="tr-TR" baseline="0" dirty="0" err="1" smtClean="0"/>
+              <a:t>This</a:t>
+            </a:r>
+            <a:r>
+              <a:rPr lang="tr-TR" baseline="0" dirty="0" smtClean="0"/>
+              <a:t> is </a:t>
+            </a:r>
+            <a:r>
+              <a:rPr lang="tr-TR" baseline="0" dirty="0" err="1" smtClean="0"/>
+              <a:t>trellis</a:t>
+            </a:r>
+            <a:r>
+              <a:rPr lang="tr-TR" baseline="0" dirty="0" smtClean="0"/>
+              <a:t> </a:t>
+            </a:r>
+            <a:r>
+              <a:rPr lang="tr-TR" baseline="0" dirty="0" err="1" smtClean="0"/>
+              <a:t>structure</a:t>
+            </a:r>
+            <a:r>
+              <a:rPr lang="tr-TR" baseline="0" dirty="0" smtClean="0"/>
+              <a:t> time </a:t>
+            </a:r>
+            <a:r>
+              <a:rPr lang="tr-TR" baseline="0" dirty="0" err="1" smtClean="0"/>
+              <a:t>flows</a:t>
+            </a:r>
+            <a:r>
+              <a:rPr lang="tr-TR" baseline="0" dirty="0" smtClean="0"/>
+              <a:t> </a:t>
+            </a:r>
+            <a:r>
+              <a:rPr lang="tr-TR" baseline="0" dirty="0" err="1" smtClean="0"/>
+              <a:t>from</a:t>
+            </a:r>
+            <a:r>
+              <a:rPr lang="tr-TR" baseline="0" dirty="0" smtClean="0"/>
+              <a:t> </a:t>
+            </a:r>
+            <a:r>
+              <a:rPr lang="tr-TR" baseline="0" dirty="0" err="1" smtClean="0"/>
+              <a:t>left</a:t>
+            </a:r>
+            <a:r>
+              <a:rPr lang="tr-TR" baseline="0" dirty="0" smtClean="0"/>
+              <a:t> </a:t>
+            </a:r>
+            <a:r>
+              <a:rPr lang="tr-TR" baseline="0" dirty="0" err="1" smtClean="0"/>
+              <a:t>to</a:t>
+            </a:r>
+            <a:r>
+              <a:rPr lang="tr-TR" baseline="0" dirty="0" smtClean="0"/>
+              <a:t> </a:t>
+            </a:r>
+            <a:r>
+              <a:rPr lang="tr-TR" baseline="0" dirty="0" err="1" smtClean="0"/>
+              <a:t>right</a:t>
+            </a:r>
+            <a:r>
+              <a:rPr lang="tr-TR" baseline="0" dirty="0" smtClean="0"/>
+              <a:t> </a:t>
+            </a:r>
+            <a:r>
+              <a:rPr lang="tr-TR" baseline="0" dirty="0" err="1" smtClean="0"/>
+              <a:t>and</a:t>
+            </a:r>
+            <a:r>
+              <a:rPr lang="tr-TR" baseline="0" dirty="0" smtClean="0"/>
+              <a:t> </a:t>
+            </a:r>
+            <a:r>
+              <a:rPr lang="tr-TR" baseline="0" dirty="0" err="1" smtClean="0"/>
+              <a:t>for</a:t>
+            </a:r>
+            <a:r>
+              <a:rPr lang="tr-TR" baseline="0" dirty="0" smtClean="0"/>
+              <a:t> </a:t>
+            </a:r>
+            <a:r>
+              <a:rPr lang="tr-TR" baseline="0" dirty="0" err="1" smtClean="0"/>
+              <a:t>each</a:t>
+            </a:r>
+            <a:r>
+              <a:rPr lang="tr-TR" baseline="0" dirty="0" smtClean="0"/>
+              <a:t> </a:t>
+            </a:r>
+            <a:r>
+              <a:rPr lang="tr-TR" baseline="0" dirty="0" err="1" smtClean="0"/>
+              <a:t>nodes</a:t>
+            </a:r>
+            <a:r>
+              <a:rPr lang="tr-TR" baseline="0" dirty="0" smtClean="0"/>
+              <a:t>.</a:t>
+            </a:r>
+          </a:p>
+          <a:p>
+            <a:endParaRPr lang="tr-TR" baseline="0" dirty="0" smtClean="0"/>
+          </a:p>
+          <a:p>
+            <a:r>
+              <a:rPr lang="tr-TR" baseline="0" dirty="0" smtClean="0"/>
+              <a:t> </a:t>
+            </a:r>
+            <a:r>
+              <a:rPr lang="tr-TR" baseline="0" dirty="0" err="1" smtClean="0"/>
+              <a:t>It</a:t>
+            </a:r>
+            <a:r>
+              <a:rPr lang="tr-TR" baseline="0" dirty="0" smtClean="0"/>
+              <a:t> </a:t>
+            </a:r>
+            <a:r>
+              <a:rPr lang="tr-TR" baseline="0" dirty="0" err="1" smtClean="0"/>
+              <a:t>takes</a:t>
+            </a:r>
+            <a:r>
+              <a:rPr lang="tr-TR" baseline="0" dirty="0" smtClean="0"/>
+              <a:t> </a:t>
+            </a:r>
+            <a:r>
+              <a:rPr lang="tr-TR" baseline="0" dirty="0" err="1" smtClean="0"/>
+              <a:t>maximum</a:t>
+            </a:r>
+            <a:r>
+              <a:rPr lang="tr-TR" baseline="0" dirty="0" smtClean="0"/>
+              <a:t> </a:t>
+            </a:r>
+            <a:r>
+              <a:rPr lang="tr-TR" baseline="0" dirty="0" err="1" smtClean="0"/>
+              <a:t>cumulative</a:t>
+            </a:r>
+            <a:r>
+              <a:rPr lang="tr-TR" baseline="0" dirty="0" smtClean="0"/>
+              <a:t> </a:t>
+            </a:r>
+            <a:r>
+              <a:rPr lang="tr-TR" baseline="0" dirty="0" err="1" smtClean="0"/>
+              <a:t>transition</a:t>
+            </a:r>
+            <a:r>
+              <a:rPr lang="tr-TR" baseline="0" dirty="0" smtClean="0"/>
+              <a:t> </a:t>
+            </a:r>
+            <a:r>
+              <a:rPr lang="tr-TR" baseline="0" dirty="0" err="1" smtClean="0"/>
+              <a:t>paths</a:t>
+            </a:r>
+            <a:r>
+              <a:rPr lang="tr-TR" baseline="0" dirty="0" smtClean="0"/>
+              <a:t> </a:t>
+            </a:r>
+            <a:r>
+              <a:rPr lang="tr-TR" baseline="0" dirty="0" err="1" smtClean="0"/>
+              <a:t>that</a:t>
+            </a:r>
+            <a:r>
+              <a:rPr lang="tr-TR" baseline="0" dirty="0" smtClean="0"/>
+              <a:t> </a:t>
+            </a:r>
+            <a:r>
+              <a:rPr lang="tr-TR" baseline="0" dirty="0" err="1" smtClean="0"/>
+              <a:t>coming</a:t>
+            </a:r>
+            <a:r>
+              <a:rPr lang="tr-TR" baseline="0" dirty="0" smtClean="0"/>
+              <a:t> </a:t>
+            </a:r>
+            <a:r>
+              <a:rPr lang="tr-TR" baseline="0" dirty="0" err="1" smtClean="0"/>
+              <a:t>related</a:t>
+            </a:r>
+            <a:r>
+              <a:rPr lang="tr-TR" baseline="0" dirty="0" smtClean="0"/>
+              <a:t> </a:t>
+            </a:r>
+            <a:r>
+              <a:rPr lang="tr-TR" baseline="0" dirty="0" err="1" smtClean="0"/>
+              <a:t>node</a:t>
+            </a:r>
+            <a:r>
+              <a:rPr lang="tr-TR" baseline="0" dirty="0" smtClean="0"/>
+              <a:t>. </a:t>
+            </a:r>
+            <a:r>
+              <a:rPr lang="tr-TR" baseline="0" dirty="0" err="1" smtClean="0"/>
+              <a:t>Then</a:t>
+            </a:r>
+            <a:r>
+              <a:rPr lang="tr-TR" baseline="0" dirty="0" smtClean="0"/>
+              <a:t>, </a:t>
+            </a:r>
+            <a:r>
+              <a:rPr lang="tr-TR" baseline="0" dirty="0" err="1" smtClean="0"/>
+              <a:t>taking</a:t>
+            </a:r>
+            <a:r>
+              <a:rPr lang="tr-TR" baseline="0" dirty="0" smtClean="0"/>
+              <a:t> </a:t>
+            </a:r>
+            <a:r>
+              <a:rPr lang="tr-TR" baseline="0" dirty="0" err="1" smtClean="0"/>
+              <a:t>maximizations</a:t>
+            </a:r>
+            <a:r>
+              <a:rPr lang="tr-TR" baseline="0" dirty="0" smtClean="0"/>
+              <a:t> </a:t>
+            </a:r>
+            <a:r>
+              <a:rPr lang="tr-TR" baseline="0" dirty="0" err="1" smtClean="0"/>
+              <a:t>will</a:t>
+            </a:r>
+            <a:r>
+              <a:rPr lang="tr-TR" baseline="0" dirty="0" smtClean="0"/>
+              <a:t> be </a:t>
+            </a:r>
+            <a:r>
+              <a:rPr lang="tr-TR" baseline="0" dirty="0" err="1" smtClean="0"/>
+              <a:t>implemented</a:t>
+            </a:r>
+            <a:r>
+              <a:rPr lang="tr-TR" baseline="0" dirty="0" smtClean="0"/>
+              <a:t> </a:t>
+            </a:r>
+            <a:r>
+              <a:rPr lang="tr-TR" baseline="0" dirty="0" err="1" smtClean="0"/>
+              <a:t>to</a:t>
+            </a:r>
+            <a:r>
+              <a:rPr lang="tr-TR" baseline="0" dirty="0" smtClean="0"/>
+              <a:t> </a:t>
+            </a:r>
+            <a:r>
+              <a:rPr lang="tr-TR" baseline="0" dirty="0" err="1" smtClean="0"/>
+              <a:t>each</a:t>
+            </a:r>
+            <a:r>
+              <a:rPr lang="tr-TR" baseline="0" dirty="0" smtClean="0"/>
+              <a:t> </a:t>
+            </a:r>
+            <a:r>
+              <a:rPr lang="tr-TR" baseline="0" dirty="0" err="1" smtClean="0"/>
+              <a:t>node</a:t>
+            </a:r>
+            <a:r>
+              <a:rPr lang="tr-TR" baseline="0" dirty="0" smtClean="0"/>
+              <a:t>. </a:t>
+            </a:r>
+            <a:r>
+              <a:rPr lang="tr-TR" baseline="0" dirty="0" err="1" smtClean="0"/>
+              <a:t>Finally</a:t>
+            </a:r>
+            <a:r>
+              <a:rPr lang="tr-TR" baseline="0" dirty="0" smtClean="0"/>
+              <a:t>, </a:t>
+            </a:r>
+            <a:r>
+              <a:rPr lang="tr-TR" baseline="0" dirty="0" err="1" smtClean="0"/>
+              <a:t>there</a:t>
+            </a:r>
+            <a:r>
+              <a:rPr lang="tr-TR" baseline="0" dirty="0" smtClean="0"/>
+              <a:t> </a:t>
+            </a:r>
+            <a:r>
+              <a:rPr lang="tr-TR" baseline="0" dirty="0" err="1" smtClean="0"/>
+              <a:t>will</a:t>
+            </a:r>
+            <a:r>
+              <a:rPr lang="tr-TR" baseline="0" dirty="0" smtClean="0"/>
+              <a:t> </a:t>
+            </a:r>
+            <a:r>
+              <a:rPr lang="tr-TR" baseline="0" dirty="0" err="1" smtClean="0"/>
+              <a:t>stay</a:t>
+            </a:r>
+            <a:r>
+              <a:rPr lang="tr-TR" baseline="0" dirty="0" smtClean="0"/>
+              <a:t> </a:t>
+            </a:r>
+            <a:r>
+              <a:rPr lang="tr-TR" baseline="0" dirty="0" err="1" smtClean="0"/>
+              <a:t>some</a:t>
+            </a:r>
+            <a:r>
+              <a:rPr lang="tr-TR" baseline="0" dirty="0" smtClean="0"/>
+              <a:t> </a:t>
+            </a:r>
+            <a:r>
+              <a:rPr lang="tr-TR" baseline="0" dirty="0" err="1" smtClean="0"/>
+              <a:t>paths</a:t>
+            </a:r>
+            <a:r>
+              <a:rPr lang="tr-TR" baseline="0" dirty="0" smtClean="0"/>
+              <a:t>. </a:t>
+            </a:r>
+            <a:r>
+              <a:rPr lang="tr-TR" baseline="0" dirty="0" err="1" smtClean="0"/>
+              <a:t>For</a:t>
+            </a:r>
+            <a:r>
+              <a:rPr lang="tr-TR" baseline="0" dirty="0" smtClean="0"/>
+              <a:t> </a:t>
+            </a:r>
+            <a:r>
+              <a:rPr lang="tr-TR" baseline="0" dirty="0" err="1" smtClean="0"/>
+              <a:t>this</a:t>
+            </a:r>
+            <a:r>
+              <a:rPr lang="tr-TR" baseline="0" dirty="0" smtClean="0"/>
+              <a:t> </a:t>
+            </a:r>
+            <a:r>
+              <a:rPr lang="tr-TR" baseline="0" dirty="0" err="1" smtClean="0"/>
+              <a:t>example</a:t>
+            </a:r>
+            <a:r>
+              <a:rPr lang="tr-TR" baseline="0" dirty="0" smtClean="0"/>
+              <a:t>, </a:t>
+            </a:r>
+            <a:r>
+              <a:rPr lang="tr-TR" baseline="0" dirty="0" err="1" smtClean="0"/>
+              <a:t>there</a:t>
+            </a:r>
+            <a:r>
+              <a:rPr lang="tr-TR" baseline="0" dirty="0" smtClean="0"/>
+              <a:t> </a:t>
+            </a:r>
+            <a:r>
+              <a:rPr lang="tr-TR" baseline="0" dirty="0" err="1" smtClean="0"/>
+              <a:t>are</a:t>
+            </a:r>
+            <a:r>
+              <a:rPr lang="tr-TR" baseline="0" dirty="0" smtClean="0"/>
+              <a:t> 5 </a:t>
+            </a:r>
+            <a:r>
+              <a:rPr lang="tr-TR" baseline="0" dirty="0" err="1" smtClean="0"/>
+              <a:t>paths</a:t>
+            </a:r>
+            <a:r>
+              <a:rPr lang="tr-TR" baseline="0" dirty="0" smtClean="0"/>
+              <a:t> </a:t>
+            </a:r>
+            <a:r>
+              <a:rPr lang="tr-TR" baseline="0" dirty="0" err="1" smtClean="0"/>
+              <a:t>remain</a:t>
+            </a:r>
+            <a:endParaRPr lang="tr-TR" dirty="0"/>
+          </a:p>
+        </p:txBody>
+      </p:sp>
+      <p:sp>
+        <p:nvSpPr>
+          <p:cNvPr id="4" name="Slayt Numarası Yer Tutucusu 3"/>
+          <p:cNvSpPr>
+            <a:spLocks noGrp="1"/>
+          </p:cNvSpPr>
+          <p:nvPr>
+            <p:ph type="sldNum" sz="quarter" idx="10"/>
+          </p:nvPr>
+        </p:nvSpPr>
+        <p:spPr/>
+        <p:txBody>
+          <a:bodyPr/>
+          <a:lstStyle/>
+          <a:p>
+            <a:fld id="{14B6652E-BE16-4600-ADC5-2322934EA743}" type="slidenum">
+              <a:rPr lang="tr-TR" smtClean="0"/>
               <a:t>16</a:t>
             </a:fld>
             <a:endParaRPr lang="tr-TR" dirty="0"/>
@@ -1579,7 +4854,7 @@
 </p:notes>
 </file>
 
-<file path=ppt/notesSlides/notesSlide14.xml><?xml version="1.0" encoding="utf-8"?>
+<file path=ppt/notesSlides/notesSlide17.xml><?xml version="1.0" encoding="utf-8"?>
 <p:notes xmlns:a="http://schemas.openxmlformats.org/drawingml/2006/main" xmlns:r="http://schemas.openxmlformats.org/officeDocument/2006/relationships" xmlns:p="http://schemas.openxmlformats.org/presentationml/2006/main">
   <p:cSld>
     <p:spTree>
@@ -3251,15 +6526,23 @@
             </a:r>
             <a:r>
               <a:rPr lang="tr-TR" baseline="0" dirty="0" err="1" smtClean="0"/>
-              <a:t>to</a:t>
-            </a:r>
-            <a:r>
-              <a:rPr lang="tr-TR" baseline="0" dirty="0" smtClean="0"/>
-              <a:t> </a:t>
-            </a:r>
-            <a:r>
-              <a:rPr lang="tr-TR" baseline="0" dirty="0" err="1" smtClean="0"/>
-              <a:t>find</a:t>
+              <a:t>the</a:t>
+            </a:r>
+            <a:r>
+              <a:rPr lang="tr-TR" baseline="0" dirty="0" smtClean="0"/>
+              <a:t> time </a:t>
+            </a:r>
+            <a:r>
+              <a:rPr lang="tr-TR" baseline="0" dirty="0" err="1" smtClean="0"/>
+              <a:t>for</a:t>
+            </a:r>
+            <a:r>
+              <a:rPr lang="tr-TR" baseline="0" dirty="0" smtClean="0"/>
+              <a:t> </a:t>
+            </a:r>
+            <a:r>
+              <a:rPr lang="tr-TR" baseline="0" dirty="0" err="1" smtClean="0"/>
+              <a:t>finding</a:t>
             </a:r>
             <a:r>
               <a:rPr lang="tr-TR" baseline="0" dirty="0" smtClean="0"/>
@@ -4396,7 +7679,7 @@
             </a:r>
             <a:r>
               <a:rPr lang="tr-TR" baseline="0" dirty="0" err="1" smtClean="0"/>
-              <a:t>Each</a:t>
+              <a:t>Every</a:t>
             </a:r>
             <a:r>
               <a:rPr lang="tr-TR" baseline="0" dirty="0" smtClean="0"/>
@@ -4421,14 +7704,6 @@
             <a:r>
               <a:rPr lang="tr-TR" baseline="0" dirty="0" err="1" smtClean="0"/>
               <a:t>to</a:t>
-            </a:r>
-            <a:r>
-              <a:rPr lang="tr-TR" baseline="0" dirty="0" smtClean="0"/>
-              <a:t> </a:t>
-            </a:r>
-            <a:r>
-              <a:rPr lang="tr-TR" baseline="0" dirty="0" err="1" smtClean="0"/>
-              <a:t>again</a:t>
             </a:r>
             <a:r>
               <a:rPr lang="tr-TR" baseline="0" dirty="0" smtClean="0"/>
@@ -4636,156 +7911,6 @@
             </a:r>
           </a:p>
           <a:p>
-            <a:endParaRPr lang="tr-TR" sz="1200" b="0" i="0" kern="1200" dirty="0" smtClean="0">
-              <a:solidFill>
-                <a:schemeClr val="tx1"/>
-              </a:solidFill>
-              <a:effectLst/>
-              <a:latin typeface="+mn-lt"/>
-              <a:ea typeface="+mn-ea"/>
-              <a:cs typeface="+mn-cs"/>
-            </a:endParaRPr>
-          </a:p>
-          <a:p>
-            <a:r>
-              <a:rPr lang="en-US" sz="1200" b="0" i="0" kern="1200" dirty="0" smtClean="0">
-                <a:solidFill>
-                  <a:schemeClr val="tx1"/>
-                </a:solidFill>
-                <a:effectLst/>
-                <a:latin typeface="+mn-lt"/>
-                <a:ea typeface="+mn-ea"/>
-                <a:cs typeface="+mn-cs"/>
-              </a:rPr>
-              <a:t> a </a:t>
-            </a:r>
-            <a:r>
-              <a:rPr lang="en-US" sz="1200" b="1" i="0" kern="1200" dirty="0" smtClean="0">
-                <a:solidFill>
-                  <a:schemeClr val="tx1"/>
-                </a:solidFill>
-                <a:effectLst/>
-                <a:latin typeface="+mn-lt"/>
-                <a:ea typeface="+mn-ea"/>
-                <a:cs typeface="+mn-cs"/>
-              </a:rPr>
-              <a:t>Markov model</a:t>
-            </a:r>
-            <a:r>
-              <a:rPr lang="en-US" sz="1200" b="0" i="0" kern="1200" dirty="0" smtClean="0">
-                <a:solidFill>
-                  <a:schemeClr val="tx1"/>
-                </a:solidFill>
-                <a:effectLst/>
-                <a:latin typeface="+mn-lt"/>
-                <a:ea typeface="+mn-ea"/>
-                <a:cs typeface="+mn-cs"/>
-              </a:rPr>
-              <a:t> is a </a:t>
-            </a:r>
-            <a:r>
-              <a:rPr lang="en-US" sz="1200" b="0" i="0" u="none" strike="noStrike" kern="1200" dirty="0" smtClean="0">
-                <a:solidFill>
-                  <a:schemeClr val="tx1"/>
-                </a:solidFill>
-                <a:effectLst/>
-                <a:latin typeface="+mn-lt"/>
-                <a:ea typeface="+mn-ea"/>
-                <a:cs typeface="+mn-cs"/>
-                <a:hlinkClick r:id="rId5" tooltip="Stochastic model"/>
-              </a:rPr>
-              <a:t>stochastic model</a:t>
-            </a:r>
-            <a:r>
-              <a:rPr lang="en-US" sz="1200" b="0" i="0" kern="1200" dirty="0" smtClean="0">
-                <a:solidFill>
-                  <a:schemeClr val="tx1"/>
-                </a:solidFill>
-                <a:effectLst/>
-                <a:latin typeface="+mn-lt"/>
-                <a:ea typeface="+mn-ea"/>
-                <a:cs typeface="+mn-cs"/>
-              </a:rPr>
-              <a:t> used to </a:t>
-            </a:r>
-            <a:r>
-              <a:rPr lang="en-US" sz="1200" b="0" i="0" u="none" strike="noStrike" kern="1200" dirty="0" smtClean="0">
-                <a:solidFill>
-                  <a:schemeClr val="tx1"/>
-                </a:solidFill>
-                <a:effectLst/>
-                <a:latin typeface="+mn-lt"/>
-                <a:ea typeface="+mn-ea"/>
-                <a:cs typeface="+mn-cs"/>
-                <a:hlinkClick r:id="rId6" tooltip="Mathematical model"/>
-              </a:rPr>
-              <a:t>model</a:t>
-            </a:r>
-            <a:r>
-              <a:rPr lang="en-US" sz="1200" b="0" i="0" kern="1200" dirty="0" smtClean="0">
-                <a:solidFill>
-                  <a:schemeClr val="tx1"/>
-                </a:solidFill>
-                <a:effectLst/>
-                <a:latin typeface="+mn-lt"/>
-                <a:ea typeface="+mn-ea"/>
-                <a:cs typeface="+mn-cs"/>
-              </a:rPr>
-              <a:t> randomly changing systems where it is assumed that future states depend only on the present state and not on the sequence of events that preceded it (that is, it assumes the </a:t>
-            </a:r>
-            <a:r>
-              <a:rPr lang="en-US" sz="1200" b="0" i="0" u="none" strike="noStrike" kern="1200" dirty="0" smtClean="0">
-                <a:solidFill>
-                  <a:schemeClr val="tx1"/>
-                </a:solidFill>
-                <a:effectLst/>
-                <a:latin typeface="+mn-lt"/>
-                <a:ea typeface="+mn-ea"/>
-                <a:cs typeface="+mn-cs"/>
-                <a:hlinkClick r:id="rId7" tooltip="Markov property"/>
-              </a:rPr>
-              <a:t>Markov property</a:t>
-            </a:r>
-            <a:r>
-              <a:rPr lang="en-US" sz="1200" b="0" i="0" kern="1200" dirty="0" smtClean="0">
-                <a:solidFill>
-                  <a:schemeClr val="tx1"/>
-                </a:solidFill>
-                <a:effectLst/>
-                <a:latin typeface="+mn-lt"/>
-                <a:ea typeface="+mn-ea"/>
-                <a:cs typeface="+mn-cs"/>
-              </a:rPr>
-              <a:t>). Generally, this assumption enables reasoning and computation with the model that would otherwise be </a:t>
-            </a:r>
-            <a:r>
-              <a:rPr lang="en-US" sz="1200" b="0" i="0" u="none" strike="noStrike" kern="1200" dirty="0" smtClean="0">
-                <a:solidFill>
-                  <a:schemeClr val="tx1"/>
-                </a:solidFill>
-                <a:effectLst/>
-                <a:latin typeface="+mn-lt"/>
-                <a:ea typeface="+mn-ea"/>
-                <a:cs typeface="+mn-cs"/>
-                <a:hlinkClick r:id="rId8" tooltip="Intractability (complexity)"/>
-              </a:rPr>
-              <a:t>intractable</a:t>
-            </a:r>
-            <a:r>
-              <a:rPr lang="en-US" sz="1200" b="0" i="0" kern="1200" dirty="0" smtClean="0">
-                <a:solidFill>
-                  <a:schemeClr val="tx1"/>
-                </a:solidFill>
-                <a:effectLst/>
-                <a:latin typeface="+mn-lt"/>
-                <a:ea typeface="+mn-ea"/>
-                <a:cs typeface="+mn-cs"/>
-              </a:rPr>
-              <a:t>.</a:t>
-            </a:r>
-            <a:endParaRPr lang="tr-TR" dirty="0" smtClean="0"/>
-          </a:p>
-          <a:p>
             <a:endParaRPr lang="tr-TR" dirty="0" smtClean="0"/>
           </a:p>
           <a:p>
@@ -5067,7 +8192,19 @@
             </a:r>
             <a:r>
               <a:rPr lang="tr-TR" baseline="0" dirty="0" smtClean="0"/>
-              <a:t> in notebook </a:t>
+              <a:t> </a:t>
+            </a:r>
+            <a:r>
+              <a:rPr lang="tr-TR" baseline="0" dirty="0" smtClean="0"/>
+              <a:t>in his </a:t>
+            </a:r>
+            <a:r>
+              <a:rPr lang="tr-TR" baseline="0" dirty="0" err="1" smtClean="0"/>
+              <a:t>diary</a:t>
+            </a:r>
+            <a:r>
+              <a:rPr lang="tr-TR" baseline="0" dirty="0" smtClean="0"/>
+              <a:t> </a:t>
             </a:r>
             <a:r>
               <a:rPr lang="tr-TR" baseline="0" dirty="0" err="1" smtClean="0"/>
@@ -5075,7 +8212,11 @@
             </a:r>
             <a:r>
               <a:rPr lang="tr-TR" baseline="0" dirty="0" smtClean="0"/>
-              <a:t> how </a:t>
+              <a:t> </a:t>
+            </a:r>
+            <a:r>
+              <a:rPr lang="tr-TR" baseline="0" dirty="0" smtClean="0"/>
+              <a:t>how </a:t>
             </a:r>
             <a:r>
               <a:rPr lang="tr-TR" baseline="0" dirty="0" err="1" smtClean="0"/>
@@ -5107,6 +8248,18 @@
           </a:p>
           <a:p>
             <a:r>
+              <a:rPr lang="tr-TR" sz="1200" b="0" i="0" kern="1200" dirty="0" smtClean="0">
+                <a:solidFill>
+                  <a:schemeClr val="tx1"/>
+                </a:solidFill>
+                <a:effectLst/>
+                <a:latin typeface="+mn-lt"/>
+                <a:ea typeface="+mn-ea"/>
+                <a:cs typeface="+mn-cs"/>
+              </a:rPr>
+              <a:t>/*</a:t>
+            </a:r>
+            <a:r>
               <a:rPr lang="en-US" sz="1200" b="0" i="0" kern="1200" dirty="0" smtClean="0">
                 <a:solidFill>
                   <a:schemeClr val="tx1"/>
@@ -5116,7 +8269,43 @@
                 <a:ea typeface="+mn-ea"/>
                 <a:cs typeface="+mn-cs"/>
               </a:rPr>
-              <a:t>consider the case of the future archaeologist trying to infer the weather from a diary keeping track of the number of ice cream cones eaten by somebody. The archaeologist doesn't know the weather each day — it's the hidden state, either cold or hot. The only observations (emissions) are the number of cones eaten, as recorded in the diary. Transitions indicate whether the actual weather stays the same (likely) or switches (less likely), from day to day. Emissions indicate how many cones were eaten for the day, depending on whether it was hot (tends to be more) or cold (tends to be fewer). And somehow the whole process gets started, so we have a "start" state with equally likely transitions to go to a hot day or a cold day. (The same could be true of our game, or maybe there's a fixed start state.)</a:t>
+              <a:t>consider </a:t>
+            </a:r>
+            <a:r>
+              <a:rPr lang="en-US" sz="1200" b="0" i="0" kern="1200" dirty="0" smtClean="0">
+                <a:solidFill>
+                  <a:schemeClr val="tx1"/>
+                </a:solidFill>
+                <a:effectLst/>
+                <a:latin typeface="+mn-lt"/>
+                <a:ea typeface="+mn-ea"/>
+                <a:cs typeface="+mn-cs"/>
+              </a:rPr>
+              <a:t>the case of the future archaeologist trying to infer the weather from a diary keeping track of the number of ice cream cones eaten by somebody. The archaeologist doesn't know the weather each day — it's the hidden state, either cold or hot. The only observations (emissions) are the number of cones eaten, as recorded in the diary. Transitions indicate whether the actual weather stays the same (likely) or switches (less likely), from day to day. Emissions indicate how many cones were eaten for the day, depending on whether it was hot (tends to be more) or cold (tends to be fewer). And somehow the whole process gets started, so we have a "start" state with equally likely transitions to go to a hot day or a cold day. (The same could be true of our game, or maybe there's a fixed start state</a:t>
+            </a:r>
+            <a:r>
+              <a:rPr lang="en-US" sz="1200" b="0" i="0" kern="1200" dirty="0" smtClean="0">
+                <a:solidFill>
+                  <a:schemeClr val="tx1"/>
+                </a:solidFill>
+                <a:effectLst/>
+                <a:latin typeface="+mn-lt"/>
+                <a:ea typeface="+mn-ea"/>
+                <a:cs typeface="+mn-cs"/>
+              </a:rPr>
+              <a:t>.)</a:t>
+            </a:r>
+            <a:r>
+              <a:rPr lang="tr-TR" sz="1200" b="0" i="0" kern="1200" dirty="0" smtClean="0">
+                <a:solidFill>
+                  <a:schemeClr val="tx1"/>
+                </a:solidFill>
+                <a:effectLst/>
+                <a:latin typeface="+mn-lt"/>
+                <a:ea typeface="+mn-ea"/>
+                <a:cs typeface="+mn-cs"/>
+              </a:rPr>
+              <a:t>*/</a:t>
             </a:r>
             <a:endParaRPr lang="tr-TR" dirty="0"/>
           </a:p>
@@ -6102,7 +9291,7 @@
             </a:r>
             <a:r>
               <a:rPr lang="tr-TR" baseline="0" dirty="0" err="1" smtClean="0"/>
-              <a:t>the</a:t>
+              <a:t>these</a:t>
             </a:r>
             <a:r>
               <a:rPr lang="tr-TR" baseline="0" dirty="0" smtClean="0"/>
@@ -10750,7 +13939,7 @@
         </p:spPr>
         <p:txBody>
           <a:bodyPr>
-            <a:normAutofit/>
+            <a:normAutofit fontScale="92500"/>
           </a:bodyPr>
           <a:lstStyle/>
           <a:p>
@@ -10764,11 +13953,8 @@
                   </a:schemeClr>
                 </a:solidFill>
               </a:rPr>
-              <a:t>     Enes AYTEKİN </a:t>
-            </a:r>
-          </a:p>
-          <a:p>
-            <a:pPr algn="l"/>
+              <a:t> </a:t>
+            </a:r>
             <a:r>
               <a:rPr lang="tr-TR" sz="2800" dirty="0" smtClean="0">
                 <a:solidFill>
@@ -10778,7 +13964,7 @@
                   </a:schemeClr>
                 </a:solidFill>
               </a:rPr>
-              <a:t>  Çağatay DEMİREL       </a:t>
+              <a:t>Enes </a:t>
             </a:r>
             <a:r>
               <a:rPr lang="tr-TR" sz="2800" dirty="0" smtClean="0">
@@ -10789,8 +13975,11 @@
                   </a:schemeClr>
                 </a:solidFill>
               </a:rPr>
-              <a:t>     </a:t>
-            </a:r>
+              <a:t>AYTEKİN </a:t>
+            </a:r>
+          </a:p>
+          <a:p>
+            <a:pPr algn="l"/>
             <a:r>
               <a:rPr lang="tr-TR" sz="2800" dirty="0" smtClean="0">
                 <a:solidFill>
@@ -10800,7 +13989,95 @@
                   </a:schemeClr>
                 </a:solidFill>
               </a:rPr>
-              <a:t>Advisor: Mehmet BARAN</a:t>
+              <a:t> </a:t>
+            </a:r>
+            <a:r>
+              <a:rPr lang="tr-TR" sz="2800" dirty="0" smtClean="0">
+                <a:solidFill>
+                  <a:schemeClr val="accent4">
+                    <a:lumMod val="60000"/>
+                    <a:lumOff val="40000"/>
+                  </a:schemeClr>
+                </a:solidFill>
+              </a:rPr>
+              <a:t>Çağatay </a:t>
+            </a:r>
+            <a:r>
+              <a:rPr lang="tr-TR" sz="2800" dirty="0" smtClean="0">
+                <a:solidFill>
+                  <a:schemeClr val="accent4">
+                    <a:lumMod val="60000"/>
+                    <a:lumOff val="40000"/>
+                  </a:schemeClr>
+                </a:solidFill>
+              </a:rPr>
+              <a:t>DEMİREL            </a:t>
+            </a:r>
+            <a:endParaRPr lang="tr-TR" sz="2800" dirty="0" smtClean="0">
+              <a:solidFill>
+                <a:schemeClr val="accent4">
+                  <a:lumMod val="60000"/>
+                  <a:lumOff val="40000"/>
+                </a:schemeClr>
+              </a:solidFill>
+            </a:endParaRPr>
+          </a:p>
+          <a:p>
+            <a:pPr algn="l"/>
+            <a:r>
+              <a:rPr lang="tr-TR" sz="2800" dirty="0" smtClean="0">
+                <a:solidFill>
+                  <a:schemeClr val="accent4">
+                    <a:lumMod val="60000"/>
+                    <a:lumOff val="40000"/>
+                  </a:schemeClr>
+                </a:solidFill>
+              </a:rPr>
+              <a:t>			Advisor</a:t>
+            </a:r>
+            <a:r>
+              <a:rPr lang="tr-TR" sz="2800" dirty="0" smtClean="0">
+                <a:solidFill>
+                  <a:schemeClr val="accent4">
+                    <a:lumMod val="60000"/>
+                    <a:lumOff val="40000"/>
+                  </a:schemeClr>
+                </a:solidFill>
+              </a:rPr>
+              <a:t>: </a:t>
+            </a:r>
+            <a:r>
+              <a:rPr lang="tr-TR" sz="2800" dirty="0" err="1" smtClean="0">
+                <a:solidFill>
+                  <a:schemeClr val="accent4">
+                    <a:lumMod val="60000"/>
+                    <a:lumOff val="40000"/>
+                  </a:schemeClr>
+                </a:solidFill>
+              </a:rPr>
+              <a:t>Asisst</a:t>
+            </a:r>
+            <a:r>
+              <a:rPr lang="tr-TR" sz="2800" dirty="0" smtClean="0">
+                <a:solidFill>
+                  <a:schemeClr val="accent4">
+                    <a:lumMod val="60000"/>
+                    <a:lumOff val="40000"/>
+                  </a:schemeClr>
+                </a:solidFill>
+              </a:rPr>
+              <a:t>. Prof. Mehmet </a:t>
+            </a:r>
+            <a:r>
+              <a:rPr lang="tr-TR" sz="2800" dirty="0" smtClean="0">
+                <a:solidFill>
+                  <a:schemeClr val="accent4">
+                    <a:lumMod val="60000"/>
+                    <a:lumOff val="40000"/>
+                  </a:schemeClr>
+                </a:solidFill>
+              </a:rPr>
+              <a:t>BARAN</a:t>
             </a:r>
             <a:endParaRPr lang="en-US" sz="2800" dirty="0">
               <a:solidFill>
@@ -11530,7 +14807,7 @@
           </p:nvPr>
         </p:nvPicPr>
         <p:blipFill>
-          <a:blip r:embed="rId2">
+          <a:blip r:embed="rId3">
             <a:extLst>
               <a:ext uri="{28A0092B-C50C-407E-A947-70E740481C1C}">
                 <a14:useLocalDpi xmlns:a14="http://schemas.microsoft.com/office/drawing/2010/main" val="0"/>
@@ -11611,7 +14888,7 @@
           <p:nvPr/>
         </p:nvPicPr>
         <p:blipFill>
-          <a:blip r:embed="rId3">
+          <a:blip r:embed="rId4">
             <a:extLst>
               <a:ext uri="{28A0092B-C50C-407E-A947-70E740481C1C}">
                 <a14:useLocalDpi xmlns:a14="http://schemas.microsoft.com/office/drawing/2010/main" val="0"/>
@@ -11727,7 +15004,7 @@
           </p:nvPr>
         </p:nvPicPr>
         <p:blipFill>
-          <a:blip r:embed="rId2">
+          <a:blip r:embed="rId3">
             <a:extLst>
               <a:ext uri="{28A0092B-C50C-407E-A947-70E740481C1C}">
                 <a14:useLocalDpi xmlns:a14="http://schemas.microsoft.com/office/drawing/2010/main" val="0"/>
@@ -11810,7 +15087,7 @@
           <p:nvPr/>
         </p:nvPicPr>
         <p:blipFill>
-          <a:blip r:embed="rId3">
+          <a:blip r:embed="rId4">
             <a:extLst>
               <a:ext uri="{28A0092B-C50C-407E-A947-70E740481C1C}">
                 <a14:useLocalDpi xmlns:a14="http://schemas.microsoft.com/office/drawing/2010/main" val="0"/>
@@ -11864,7 +15141,7 @@
           <p:nvPr/>
         </p:nvPicPr>
         <p:blipFill>
-          <a:blip r:embed="rId4">
+          <a:blip r:embed="rId5">
             <a:extLst>
               <a:ext uri="{28A0092B-C50C-407E-A947-70E740481C1C}">
                 <a14:useLocalDpi xmlns:a14="http://schemas.microsoft.com/office/drawing/2010/main" val="0"/>
@@ -12938,6 +16215,13 @@
   <p:clrMapOvr>
     <a:masterClrMapping/>
   </p:clrMapOvr>
+  <p:timing>
+    <p:tnLst>
+      <p:par>
+        <p:cTn id="1" dur="indefinite" restart="never" nodeType="tmRoot"/>
+      </p:par>
+    </p:tnLst>
+  </p:timing>
 </p:sld>
 </file>
 
@@ -13538,11 +16822,7 @@
             </a:r>
             <a:r>
               <a:rPr lang="tr-TR" dirty="0" smtClean="0"/>
-              <a:t> </a:t>
-            </a:r>
-            <a:r>
-              <a:rPr lang="tr-TR" dirty="0" smtClean="0"/>
-              <a:t>HTK</a:t>
+              <a:t> HTK</a:t>
             </a:r>
           </a:p>
           <a:p>
@@ -14045,11 +17325,7 @@
             </a:r>
             <a:r>
               <a:rPr lang="tr-TR" dirty="0" err="1" smtClean="0"/>
-              <a:t>s</a:t>
-            </a:r>
-            <a:r>
-              <a:rPr lang="tr-TR" dirty="0" err="1" smtClean="0"/>
-              <a:t>tandartization</a:t>
+              <a:t>standartization</a:t>
             </a:r>
             <a:endParaRPr lang="tr-TR" dirty="0" smtClean="0"/>
           </a:p>
@@ -14078,7 +17354,6 @@
               <a:rPr lang="tr-TR" dirty="0" smtClean="0"/>
               <a:t>.</a:t>
             </a:r>
-            <a:endParaRPr lang="tr-TR" dirty="0" smtClean="0"/>
           </a:p>
           <a:p>
             <a:r>
@@ -14312,7 +17587,6 @@
               <a:rPr lang="tr-TR" dirty="0" smtClean="0"/>
               <a:t>Plan B</a:t>
             </a:r>
-            <a:endParaRPr lang="tr-TR" dirty="0" smtClean="0"/>
           </a:p>
           <a:p>
             <a:pPr lvl="1"/>
@@ -14431,6 +17705,384 @@
 </file>
 
 <file path=ppt/slides/slide25.xml><?xml version="1.0" encoding="utf-8"?>
+<p:sld xmlns:a="http://schemas.openxmlformats.org/drawingml/2006/main" xmlns:r="http://schemas.openxmlformats.org/officeDocument/2006/relationships" xmlns:p="http://schemas.openxmlformats.org/presentationml/2006/main">
+  <p:cSld>
+    <p:spTree>
+      <p:nvGrpSpPr>
+        <p:cNvPr id="1" name=""/>
+        <p:cNvGrpSpPr/>
+        <p:nvPr/>
+      </p:nvGrpSpPr>
+      <p:grpSpPr>
+        <a:xfrm>
+          <a:off x="0" y="0"/>
+          <a:ext cx="0" cy="0"/>
+          <a:chOff x="0" y="0"/>
+          <a:chExt cx="0" cy="0"/>
+        </a:xfrm>
+      </p:grpSpPr>
+      <p:sp>
+        <p:nvSpPr>
+          <p:cNvPr id="2" name="İçerik Yer Tutucusu 1"/>
+          <p:cNvSpPr>
+            <a:spLocks noGrp="1"/>
+          </p:cNvSpPr>
+          <p:nvPr>
+            <p:ph idx="1"/>
+          </p:nvPr>
+        </p:nvSpPr>
+        <p:spPr/>
+        <p:txBody>
+          <a:bodyPr>
+            <a:normAutofit fontScale="92500" lnSpcReduction="10000"/>
+          </a:bodyPr>
+          <a:lstStyle/>
+          <a:p>
+            <a:r>
+              <a:rPr lang="tr-TR" dirty="0">
+                <a:hlinkClick r:id="rId2"/>
+              </a:rPr>
+              <a:t>http://</a:t>
+            </a:r>
+            <a:r>
+              <a:rPr lang="tr-TR" dirty="0" smtClean="0">
+                <a:hlinkClick r:id="rId2"/>
+              </a:rPr>
+              <a:t>millionmusic.net/mp3/about-music-genres</a:t>
+            </a:r>
+            <a:endParaRPr lang="tr-TR" dirty="0" smtClean="0"/>
+          </a:p>
+          <a:p>
+            <a:r>
+              <a:rPr lang="tr-TR" dirty="0">
+                <a:hlinkClick r:id="rId3"/>
+              </a:rPr>
+              <a:t>http://</a:t>
+            </a:r>
+            <a:r>
+              <a:rPr lang="tr-TR" dirty="0" smtClean="0">
+                <a:hlinkClick r:id="rId3"/>
+              </a:rPr>
+              <a:t>www.fastcodesign.com/3021791/infographic-of-the-day/100-years-of-rock-music-in-less-than-a-minute</a:t>
+            </a:r>
+            <a:endParaRPr lang="tr-TR" dirty="0" smtClean="0"/>
+          </a:p>
+          <a:p>
+            <a:r>
+              <a:rPr lang="tr-TR" dirty="0">
+                <a:hlinkClick r:id="rId4"/>
+              </a:rPr>
+              <a:t>https://</a:t>
+            </a:r>
+            <a:r>
+              <a:rPr lang="tr-TR" dirty="0" smtClean="0">
+                <a:hlinkClick r:id="rId4"/>
+              </a:rPr>
+              <a:t>en.wikipedia.org/wiki/Hidden_Markov_model</a:t>
+            </a:r>
+            <a:endParaRPr lang="tr-TR" dirty="0" smtClean="0"/>
+          </a:p>
+          <a:p>
+            <a:r>
+              <a:rPr lang="en-US" dirty="0"/>
+              <a:t>Example of the Baum-Welch </a:t>
+            </a:r>
+            <a:r>
+              <a:rPr lang="en-US" dirty="0" smtClean="0"/>
+              <a:t>Algorithm</a:t>
+            </a:r>
+            <a:r>
+              <a:rPr lang="tr-TR" dirty="0" smtClean="0"/>
+              <a:t>, </a:t>
+            </a:r>
+            <a:r>
+              <a:rPr lang="tr-TR" dirty="0" err="1" smtClean="0"/>
+              <a:t>Larry</a:t>
+            </a:r>
+            <a:r>
+              <a:rPr lang="tr-TR" dirty="0" smtClean="0"/>
+              <a:t> Moss, Q520</a:t>
+            </a:r>
+            <a:r>
+              <a:rPr lang="tr-TR" dirty="0"/>
+              <a:t>, Spring </a:t>
+            </a:r>
+            <a:r>
+              <a:rPr lang="tr-TR" dirty="0" smtClean="0"/>
+              <a:t>2008</a:t>
+            </a:r>
+          </a:p>
+          <a:p>
+            <a:r>
+              <a:rPr lang="tr-TR" dirty="0" err="1"/>
+              <a:t>The</a:t>
+            </a:r>
+            <a:r>
+              <a:rPr lang="tr-TR" dirty="0"/>
+              <a:t> HTK </a:t>
+            </a:r>
+            <a:r>
+              <a:rPr lang="tr-TR" dirty="0" err="1" smtClean="0"/>
+              <a:t>Book</a:t>
+            </a:r>
+            <a:r>
+              <a:rPr lang="tr-TR" dirty="0" smtClean="0"/>
+              <a:t>, Steve </a:t>
+            </a:r>
+            <a:r>
+              <a:rPr lang="tr-TR" dirty="0" err="1" smtClean="0"/>
+              <a:t>Young</a:t>
+            </a:r>
+            <a:r>
+              <a:rPr lang="tr-TR" dirty="0" smtClean="0"/>
+              <a:t>, </a:t>
+            </a:r>
+            <a:r>
+              <a:rPr lang="tr-TR" dirty="0" err="1" smtClean="0"/>
+              <a:t>Gunnar</a:t>
+            </a:r>
+            <a:r>
+              <a:rPr lang="tr-TR" dirty="0" smtClean="0"/>
+              <a:t> </a:t>
+            </a:r>
+            <a:r>
+              <a:rPr lang="tr-TR" dirty="0" err="1" smtClean="0"/>
+              <a:t>Evermann</a:t>
+            </a:r>
+            <a:r>
+              <a:rPr lang="tr-TR" dirty="0" smtClean="0"/>
+              <a:t>, Mark </a:t>
+            </a:r>
+            <a:r>
+              <a:rPr lang="tr-TR" dirty="0" err="1" smtClean="0"/>
+              <a:t>Gales</a:t>
+            </a:r>
+            <a:r>
+              <a:rPr lang="tr-TR" dirty="0" smtClean="0"/>
+              <a:t>, Thomas Hain, Dan </a:t>
+            </a:r>
+            <a:r>
+              <a:rPr lang="tr-TR" dirty="0" err="1" smtClean="0"/>
+              <a:t>Kershaw</a:t>
+            </a:r>
+            <a:r>
+              <a:rPr lang="tr-TR" dirty="0" smtClean="0"/>
+              <a:t>, </a:t>
+            </a:r>
+            <a:r>
+              <a:rPr lang="tr-TR" dirty="0" err="1" smtClean="0"/>
+              <a:t>Xunying</a:t>
+            </a:r>
+            <a:r>
+              <a:rPr lang="tr-TR" dirty="0" smtClean="0"/>
+              <a:t> </a:t>
+            </a:r>
+            <a:r>
+              <a:rPr lang="tr-TR" dirty="0"/>
+              <a:t>(Andrew) </a:t>
+            </a:r>
+            <a:r>
+              <a:rPr lang="tr-TR" dirty="0" err="1" smtClean="0"/>
+              <a:t>Liu</a:t>
+            </a:r>
+            <a:r>
+              <a:rPr lang="tr-TR" dirty="0" smtClean="0"/>
+              <a:t>, </a:t>
+            </a:r>
+            <a:r>
+              <a:rPr lang="tr-TR" dirty="0" err="1" smtClean="0"/>
+              <a:t>Gareth</a:t>
+            </a:r>
+            <a:r>
+              <a:rPr lang="tr-TR" dirty="0" smtClean="0"/>
+              <a:t> </a:t>
+            </a:r>
+            <a:r>
+              <a:rPr lang="tr-TR" dirty="0" err="1" smtClean="0"/>
+              <a:t>Moore</a:t>
+            </a:r>
+            <a:r>
+              <a:rPr lang="tr-TR" dirty="0" smtClean="0"/>
+              <a:t>, </a:t>
+            </a:r>
+            <a:r>
+              <a:rPr lang="tr-TR" dirty="0" err="1" smtClean="0"/>
+              <a:t>Julian</a:t>
+            </a:r>
+            <a:r>
+              <a:rPr lang="tr-TR" dirty="0" smtClean="0"/>
+              <a:t> </a:t>
+            </a:r>
+            <a:r>
+              <a:rPr lang="tr-TR" dirty="0" err="1" smtClean="0"/>
+              <a:t>Odell</a:t>
+            </a:r>
+            <a:r>
+              <a:rPr lang="tr-TR" dirty="0" smtClean="0"/>
+              <a:t>, </a:t>
+            </a:r>
+            <a:r>
+              <a:rPr lang="tr-TR" dirty="0" err="1" smtClean="0"/>
+              <a:t>Dave</a:t>
+            </a:r>
+            <a:r>
+              <a:rPr lang="tr-TR" dirty="0" smtClean="0"/>
+              <a:t> </a:t>
+            </a:r>
+            <a:r>
+              <a:rPr lang="tr-TR" dirty="0" err="1" smtClean="0"/>
+              <a:t>Ollason</a:t>
+            </a:r>
+            <a:r>
+              <a:rPr lang="tr-TR" dirty="0" smtClean="0"/>
+              <a:t>, Dan </a:t>
+            </a:r>
+            <a:r>
+              <a:rPr lang="tr-TR" dirty="0" err="1" smtClean="0"/>
+              <a:t>Povey</a:t>
+            </a:r>
+            <a:r>
+              <a:rPr lang="tr-TR" dirty="0" smtClean="0"/>
+              <a:t>, </a:t>
+            </a:r>
+            <a:r>
+              <a:rPr lang="tr-TR" dirty="0" err="1" smtClean="0"/>
+              <a:t>Valtcho</a:t>
+            </a:r>
+            <a:r>
+              <a:rPr lang="tr-TR" dirty="0" smtClean="0"/>
+              <a:t> </a:t>
+            </a:r>
+            <a:r>
+              <a:rPr lang="tr-TR" dirty="0" err="1" smtClean="0"/>
+              <a:t>Valtchev</a:t>
+            </a:r>
+            <a:r>
+              <a:rPr lang="tr-TR" dirty="0" smtClean="0"/>
+              <a:t>, </a:t>
+            </a:r>
+            <a:r>
+              <a:rPr lang="tr-TR" dirty="0" err="1" smtClean="0"/>
+              <a:t>Phil</a:t>
+            </a:r>
+            <a:r>
+              <a:rPr lang="tr-TR" dirty="0" smtClean="0"/>
+              <a:t> </a:t>
+            </a:r>
+            <a:r>
+              <a:rPr lang="tr-TR" dirty="0" err="1" smtClean="0"/>
+              <a:t>Woodland</a:t>
+            </a:r>
+            <a:r>
+              <a:rPr lang="tr-TR" dirty="0" smtClean="0"/>
+              <a:t>, </a:t>
+            </a:r>
+            <a:r>
+              <a:rPr lang="tr-TR" dirty="0" err="1"/>
+              <a:t>Revised</a:t>
+            </a:r>
+            <a:r>
+              <a:rPr lang="tr-TR" dirty="0"/>
+              <a:t> </a:t>
+            </a:r>
+            <a:r>
+              <a:rPr lang="tr-TR" dirty="0" err="1"/>
+              <a:t>for</a:t>
+            </a:r>
+            <a:r>
+              <a:rPr lang="tr-TR" dirty="0"/>
+              <a:t> HTK </a:t>
+            </a:r>
+            <a:r>
+              <a:rPr lang="tr-TR" dirty="0" err="1"/>
+              <a:t>Version</a:t>
+            </a:r>
+            <a:r>
+              <a:rPr lang="tr-TR" dirty="0"/>
+              <a:t> 3.4 </a:t>
+            </a:r>
+            <a:r>
+              <a:rPr lang="tr-TR" dirty="0" err="1"/>
+              <a:t>December</a:t>
+            </a:r>
+            <a:r>
+              <a:rPr lang="tr-TR" dirty="0"/>
+              <a:t> 2006</a:t>
+            </a:r>
+            <a:endParaRPr lang="tr-TR" dirty="0" smtClean="0"/>
+          </a:p>
+          <a:p>
+            <a:endParaRPr lang="tr-TR" dirty="0"/>
+          </a:p>
+        </p:txBody>
+      </p:sp>
+      <p:sp>
+        <p:nvSpPr>
+          <p:cNvPr id="3" name="Slayt Numarası Yer Tutucusu 2"/>
+          <p:cNvSpPr>
+            <a:spLocks noGrp="1"/>
+          </p:cNvSpPr>
+          <p:nvPr>
+            <p:ph type="sldNum" sz="quarter" idx="12"/>
+          </p:nvPr>
+        </p:nvSpPr>
+        <p:spPr/>
+        <p:txBody>
+          <a:bodyPr/>
+          <a:lstStyle/>
+          <a:p>
+            <a:fld id="{F302176B-0E47-46AC-8F43-DAB4B8A37D06}" type="slidenum">
+              <a:rPr lang="tr-TR" smtClean="0"/>
+              <a:t>25</a:t>
+            </a:fld>
+            <a:endParaRPr lang="tr-TR" dirty="0"/>
+          </a:p>
+        </p:txBody>
+      </p:sp>
+      <p:sp>
+        <p:nvSpPr>
+          <p:cNvPr id="4" name="Başlık 3"/>
+          <p:cNvSpPr>
+            <a:spLocks noGrp="1"/>
+          </p:cNvSpPr>
+          <p:nvPr>
+            <p:ph type="title"/>
+          </p:nvPr>
+        </p:nvSpPr>
+        <p:spPr/>
+        <p:txBody>
+          <a:bodyPr/>
+          <a:lstStyle/>
+          <a:p>
+            <a:r>
+              <a:rPr lang="tr-TR" dirty="0" smtClean="0"/>
+              <a:t>REFERENCES</a:t>
+            </a:r>
+            <a:endParaRPr lang="tr-TR" dirty="0"/>
+          </a:p>
+        </p:txBody>
+      </p:sp>
+    </p:spTree>
+    <p:extLst>
+      <p:ext uri="{BB962C8B-B14F-4D97-AF65-F5344CB8AC3E}">
+        <p14:creationId xmlns:p14="http://schemas.microsoft.com/office/powerpoint/2010/main" val="501679830"/>
+      </p:ext>
+    </p:extLst>
+  </p:cSld>
+  <p:clrMapOvr>
+    <a:masterClrMapping/>
+  </p:clrMapOvr>
+  <p:timing>
+    <p:tnLst>
+      <p:par>
+        <p:cTn id="1" dur="indefinite" restart="never" nodeType="tmRoot"/>
+      </p:par>
+    </p:tnLst>
+  </p:timing>
+</p:sld>
+</file>
+
+<file path=ppt/slides/slide26.xml><?xml version="1.0" encoding="utf-8"?>
 <p:sld xmlns:a="http://schemas.openxmlformats.org/drawingml/2006/main" xmlns:r="http://schemas.openxmlformats.org/officeDocument/2006/relationships" xmlns:p="http://schemas.openxmlformats.org/presentationml/2006/main">
   <p:cSld>
     <p:spTree>
@@ -14551,7 +18203,7 @@
           <a:p>
             <a:fld id="{F302176B-0E47-46AC-8F43-DAB4B8A37D06}" type="slidenum">
               <a:rPr lang="tr-TR" smtClean="0"/>
-              <a:t>25</a:t>
+              <a:t>26</a:t>
             </a:fld>
             <a:endParaRPr lang="tr-TR" dirty="0"/>
           </a:p>
@@ -15196,7 +18848,7 @@
             </a:r>
             <a:r>
               <a:rPr lang="tr-TR" sz="2400" dirty="0" err="1" smtClean="0"/>
-              <a:t>Baye’s</a:t>
+              <a:t>Bayes</a:t>
             </a:r>
             <a:r>
               <a:rPr lang="tr-TR" sz="2400" dirty="0" smtClean="0"/>
@@ -15307,9 +18959,12 @@
               <a:t> </a:t>
             </a:r>
             <a:r>
-              <a:rPr lang="tr-TR" sz="2400" dirty="0" err="1"/>
-              <a:t>Algorithm</a:t>
-            </a:r>
+              <a:rPr lang="tr-TR" dirty="0" err="1" smtClean="0"/>
+              <a:t>Mixture</a:t>
+            </a:r>
+            <a:endParaRPr lang="tr-TR" dirty="0" smtClean="0"/>
+          </a:p>
+          <a:p>
             <a:endParaRPr lang="tr-TR" sz="2400" dirty="0"/>
           </a:p>
           <a:p>
